--- a/APRESENTAÇÃO PFC/PFC.pptx
+++ b/APRESENTAÇÃO PFC/PFC.pptx
@@ -9,10 +9,14 @@
     <p:sldId id="257" r:id="rId3"/>
     <p:sldId id="258" r:id="rId4"/>
     <p:sldId id="259" r:id="rId5"/>
-    <p:sldId id="260" r:id="rId6"/>
-    <p:sldId id="261" r:id="rId7"/>
-    <p:sldId id="262" r:id="rId8"/>
-    <p:sldId id="263" r:id="rId9"/>
+    <p:sldId id="264" r:id="rId6"/>
+    <p:sldId id="268" r:id="rId7"/>
+    <p:sldId id="265" r:id="rId8"/>
+    <p:sldId id="267" r:id="rId9"/>
+    <p:sldId id="260" r:id="rId10"/>
+    <p:sldId id="261" r:id="rId11"/>
+    <p:sldId id="262" r:id="rId12"/>
+    <p:sldId id="263" r:id="rId13"/>
   </p:sldIdLst>
   <p:sldSz cx="12192000" cy="6858000"/>
   <p:notesSz cx="6858000" cy="9144000"/>
@@ -111,6 +115,11 @@
       </a:defRPr>
     </a:lvl9pPr>
   </p:defaultTextStyle>
+  <p:extLst>
+    <p:ext uri="{EFAFB233-063F-42B5-8137-9DF3F51BA10A}">
+      <p15:sldGuideLst xmlns:p15="http://schemas.microsoft.com/office/powerpoint/2012/main"/>
+    </p:ext>
+  </p:extLst>
 </p:presentation>
 </file>
 
@@ -265,9 +274,9 @@
           <a:p>
             <a:fld id="{3D7E045B-5807-4C9D-A4FF-61FFD7961F37}" type="datetimeFigureOut">
               <a:rPr lang="pt-BR" smtClean="0"/>
-              <a:t>27/11/2017</a:t>
+              <a:t>03/12/2017</a:t>
             </a:fld>
-            <a:endParaRPr lang="pt-BR"/>
+            <a:endParaRPr lang="pt-BR" dirty="0"/>
           </a:p>
         </p:txBody>
       </p:sp>
@@ -292,7 +301,7 @@
           <a:bodyPr/>
           <a:lstStyle/>
           <a:p>
-            <a:endParaRPr lang="pt-BR"/>
+            <a:endParaRPr lang="pt-BR" dirty="0"/>
           </a:p>
         </p:txBody>
       </p:sp>
@@ -321,7 +330,7 @@
               <a:rPr lang="pt-BR" smtClean="0"/>
               <a:t>‹nº›</a:t>
             </a:fld>
-            <a:endParaRPr lang="pt-BR"/>
+            <a:endParaRPr lang="pt-BR" dirty="0"/>
           </a:p>
         </p:txBody>
       </p:sp>
@@ -463,9 +472,9 @@
           <a:p>
             <a:fld id="{3D7E045B-5807-4C9D-A4FF-61FFD7961F37}" type="datetimeFigureOut">
               <a:rPr lang="pt-BR" smtClean="0"/>
-              <a:t>27/11/2017</a:t>
+              <a:t>03/12/2017</a:t>
             </a:fld>
-            <a:endParaRPr lang="pt-BR"/>
+            <a:endParaRPr lang="pt-BR" dirty="0"/>
           </a:p>
         </p:txBody>
       </p:sp>
@@ -490,7 +499,7 @@
           <a:bodyPr/>
           <a:lstStyle/>
           <a:p>
-            <a:endParaRPr lang="pt-BR"/>
+            <a:endParaRPr lang="pt-BR" dirty="0"/>
           </a:p>
         </p:txBody>
       </p:sp>
@@ -519,7 +528,7 @@
               <a:rPr lang="pt-BR" smtClean="0"/>
               <a:t>‹nº›</a:t>
             </a:fld>
-            <a:endParaRPr lang="pt-BR"/>
+            <a:endParaRPr lang="pt-BR" dirty="0"/>
           </a:p>
         </p:txBody>
       </p:sp>
@@ -671,9 +680,9 @@
           <a:p>
             <a:fld id="{3D7E045B-5807-4C9D-A4FF-61FFD7961F37}" type="datetimeFigureOut">
               <a:rPr lang="pt-BR" smtClean="0"/>
-              <a:t>27/11/2017</a:t>
+              <a:t>03/12/2017</a:t>
             </a:fld>
-            <a:endParaRPr lang="pt-BR"/>
+            <a:endParaRPr lang="pt-BR" dirty="0"/>
           </a:p>
         </p:txBody>
       </p:sp>
@@ -698,7 +707,7 @@
           <a:bodyPr/>
           <a:lstStyle/>
           <a:p>
-            <a:endParaRPr lang="pt-BR"/>
+            <a:endParaRPr lang="pt-BR" dirty="0"/>
           </a:p>
         </p:txBody>
       </p:sp>
@@ -727,7 +736,7 @@
               <a:rPr lang="pt-BR" smtClean="0"/>
               <a:t>‹nº›</a:t>
             </a:fld>
-            <a:endParaRPr lang="pt-BR"/>
+            <a:endParaRPr lang="pt-BR" dirty="0"/>
           </a:p>
         </p:txBody>
       </p:sp>
@@ -869,9 +878,9 @@
           <a:p>
             <a:fld id="{3D7E045B-5807-4C9D-A4FF-61FFD7961F37}" type="datetimeFigureOut">
               <a:rPr lang="pt-BR" smtClean="0"/>
-              <a:t>27/11/2017</a:t>
+              <a:t>03/12/2017</a:t>
             </a:fld>
-            <a:endParaRPr lang="pt-BR"/>
+            <a:endParaRPr lang="pt-BR" dirty="0"/>
           </a:p>
         </p:txBody>
       </p:sp>
@@ -896,7 +905,7 @@
           <a:bodyPr/>
           <a:lstStyle/>
           <a:p>
-            <a:endParaRPr lang="pt-BR"/>
+            <a:endParaRPr lang="pt-BR" dirty="0"/>
           </a:p>
         </p:txBody>
       </p:sp>
@@ -925,7 +934,7 @@
               <a:rPr lang="pt-BR" smtClean="0"/>
               <a:t>‹nº›</a:t>
             </a:fld>
-            <a:endParaRPr lang="pt-BR"/>
+            <a:endParaRPr lang="pt-BR" dirty="0"/>
           </a:p>
         </p:txBody>
       </p:sp>
@@ -1144,9 +1153,9 @@
           <a:p>
             <a:fld id="{3D7E045B-5807-4C9D-A4FF-61FFD7961F37}" type="datetimeFigureOut">
               <a:rPr lang="pt-BR" smtClean="0"/>
-              <a:t>27/11/2017</a:t>
+              <a:t>03/12/2017</a:t>
             </a:fld>
-            <a:endParaRPr lang="pt-BR"/>
+            <a:endParaRPr lang="pt-BR" dirty="0"/>
           </a:p>
         </p:txBody>
       </p:sp>
@@ -1171,7 +1180,7 @@
           <a:bodyPr/>
           <a:lstStyle/>
           <a:p>
-            <a:endParaRPr lang="pt-BR"/>
+            <a:endParaRPr lang="pt-BR" dirty="0"/>
           </a:p>
         </p:txBody>
       </p:sp>
@@ -1200,7 +1209,7 @@
               <a:rPr lang="pt-BR" smtClean="0"/>
               <a:t>‹nº›</a:t>
             </a:fld>
-            <a:endParaRPr lang="pt-BR"/>
+            <a:endParaRPr lang="pt-BR" dirty="0"/>
           </a:p>
         </p:txBody>
       </p:sp>
@@ -1409,9 +1418,9 @@
           <a:p>
             <a:fld id="{3D7E045B-5807-4C9D-A4FF-61FFD7961F37}" type="datetimeFigureOut">
               <a:rPr lang="pt-BR" smtClean="0"/>
-              <a:t>27/11/2017</a:t>
+              <a:t>03/12/2017</a:t>
             </a:fld>
-            <a:endParaRPr lang="pt-BR"/>
+            <a:endParaRPr lang="pt-BR" dirty="0"/>
           </a:p>
         </p:txBody>
       </p:sp>
@@ -1436,7 +1445,7 @@
           <a:bodyPr/>
           <a:lstStyle/>
           <a:p>
-            <a:endParaRPr lang="pt-BR"/>
+            <a:endParaRPr lang="pt-BR" dirty="0"/>
           </a:p>
         </p:txBody>
       </p:sp>
@@ -1465,7 +1474,7 @@
               <a:rPr lang="pt-BR" smtClean="0"/>
               <a:t>‹nº›</a:t>
             </a:fld>
-            <a:endParaRPr lang="pt-BR"/>
+            <a:endParaRPr lang="pt-BR" dirty="0"/>
           </a:p>
         </p:txBody>
       </p:sp>
@@ -1821,9 +1830,9 @@
           <a:p>
             <a:fld id="{3D7E045B-5807-4C9D-A4FF-61FFD7961F37}" type="datetimeFigureOut">
               <a:rPr lang="pt-BR" smtClean="0"/>
-              <a:t>27/11/2017</a:t>
+              <a:t>03/12/2017</a:t>
             </a:fld>
-            <a:endParaRPr lang="pt-BR"/>
+            <a:endParaRPr lang="pt-BR" dirty="0"/>
           </a:p>
         </p:txBody>
       </p:sp>
@@ -1848,7 +1857,7 @@
           <a:bodyPr/>
           <a:lstStyle/>
           <a:p>
-            <a:endParaRPr lang="pt-BR"/>
+            <a:endParaRPr lang="pt-BR" dirty="0"/>
           </a:p>
         </p:txBody>
       </p:sp>
@@ -1877,7 +1886,7 @@
               <a:rPr lang="pt-BR" smtClean="0"/>
               <a:t>‹nº›</a:t>
             </a:fld>
-            <a:endParaRPr lang="pt-BR"/>
+            <a:endParaRPr lang="pt-BR" dirty="0"/>
           </a:p>
         </p:txBody>
       </p:sp>
@@ -1962,9 +1971,9 @@
           <a:p>
             <a:fld id="{3D7E045B-5807-4C9D-A4FF-61FFD7961F37}" type="datetimeFigureOut">
               <a:rPr lang="pt-BR" smtClean="0"/>
-              <a:t>27/11/2017</a:t>
+              <a:t>03/12/2017</a:t>
             </a:fld>
-            <a:endParaRPr lang="pt-BR"/>
+            <a:endParaRPr lang="pt-BR" dirty="0"/>
           </a:p>
         </p:txBody>
       </p:sp>
@@ -1989,7 +1998,7 @@
           <a:bodyPr/>
           <a:lstStyle/>
           <a:p>
-            <a:endParaRPr lang="pt-BR"/>
+            <a:endParaRPr lang="pt-BR" dirty="0"/>
           </a:p>
         </p:txBody>
       </p:sp>
@@ -2018,7 +2027,7 @@
               <a:rPr lang="pt-BR" smtClean="0"/>
               <a:t>‹nº›</a:t>
             </a:fld>
-            <a:endParaRPr lang="pt-BR"/>
+            <a:endParaRPr lang="pt-BR" dirty="0"/>
           </a:p>
         </p:txBody>
       </p:sp>
@@ -2075,9 +2084,9 @@
           <a:p>
             <a:fld id="{3D7E045B-5807-4C9D-A4FF-61FFD7961F37}" type="datetimeFigureOut">
               <a:rPr lang="pt-BR" smtClean="0"/>
-              <a:t>27/11/2017</a:t>
+              <a:t>03/12/2017</a:t>
             </a:fld>
-            <a:endParaRPr lang="pt-BR"/>
+            <a:endParaRPr lang="pt-BR" dirty="0"/>
           </a:p>
         </p:txBody>
       </p:sp>
@@ -2102,7 +2111,7 @@
           <a:bodyPr/>
           <a:lstStyle/>
           <a:p>
-            <a:endParaRPr lang="pt-BR"/>
+            <a:endParaRPr lang="pt-BR" dirty="0"/>
           </a:p>
         </p:txBody>
       </p:sp>
@@ -2131,7 +2140,7 @@
               <a:rPr lang="pt-BR" smtClean="0"/>
               <a:t>‹nº›</a:t>
             </a:fld>
-            <a:endParaRPr lang="pt-BR"/>
+            <a:endParaRPr lang="pt-BR" dirty="0"/>
           </a:p>
         </p:txBody>
       </p:sp>
@@ -2386,9 +2395,9 @@
           <a:p>
             <a:fld id="{3D7E045B-5807-4C9D-A4FF-61FFD7961F37}" type="datetimeFigureOut">
               <a:rPr lang="pt-BR" smtClean="0"/>
-              <a:t>27/11/2017</a:t>
+              <a:t>03/12/2017</a:t>
             </a:fld>
-            <a:endParaRPr lang="pt-BR"/>
+            <a:endParaRPr lang="pt-BR" dirty="0"/>
           </a:p>
         </p:txBody>
       </p:sp>
@@ -2413,7 +2422,7 @@
           <a:bodyPr/>
           <a:lstStyle/>
           <a:p>
-            <a:endParaRPr lang="pt-BR"/>
+            <a:endParaRPr lang="pt-BR" dirty="0"/>
           </a:p>
         </p:txBody>
       </p:sp>
@@ -2442,7 +2451,7 @@
               <a:rPr lang="pt-BR" smtClean="0"/>
               <a:t>‹nº›</a:t>
             </a:fld>
-            <a:endParaRPr lang="pt-BR"/>
+            <a:endParaRPr lang="pt-BR" dirty="0"/>
           </a:p>
         </p:txBody>
       </p:sp>
@@ -2576,7 +2585,7 @@
             </a:lvl9pPr>
           </a:lstStyle>
           <a:p>
-            <a:endParaRPr lang="pt-BR"/>
+            <a:endParaRPr lang="pt-BR" dirty="0"/>
           </a:p>
         </p:txBody>
       </p:sp>
@@ -2674,9 +2683,9 @@
           <a:p>
             <a:fld id="{3D7E045B-5807-4C9D-A4FF-61FFD7961F37}" type="datetimeFigureOut">
               <a:rPr lang="pt-BR" smtClean="0"/>
-              <a:t>27/11/2017</a:t>
+              <a:t>03/12/2017</a:t>
             </a:fld>
-            <a:endParaRPr lang="pt-BR"/>
+            <a:endParaRPr lang="pt-BR" dirty="0"/>
           </a:p>
         </p:txBody>
       </p:sp>
@@ -2701,7 +2710,7 @@
           <a:bodyPr/>
           <a:lstStyle/>
           <a:p>
-            <a:endParaRPr lang="pt-BR"/>
+            <a:endParaRPr lang="pt-BR" dirty="0"/>
           </a:p>
         </p:txBody>
       </p:sp>
@@ -2730,7 +2739,7 @@
               <a:rPr lang="pt-BR" smtClean="0"/>
               <a:t>‹nº›</a:t>
             </a:fld>
-            <a:endParaRPr lang="pt-BR"/>
+            <a:endParaRPr lang="pt-BR" dirty="0"/>
           </a:p>
         </p:txBody>
       </p:sp>
@@ -2751,9 +2760,12 @@
 <p:sldMaster xmlns:a="http://schemas.openxmlformats.org/drawingml/2006/main" xmlns:r="http://schemas.openxmlformats.org/officeDocument/2006/relationships" xmlns:p="http://schemas.openxmlformats.org/presentationml/2006/main">
   <p:cSld>
     <p:bg>
-      <p:bgRef idx="1001">
-        <a:schemeClr val="bg1"/>
-      </p:bgRef>
+      <p:bgPr>
+        <a:solidFill>
+          <a:srgbClr val="047622"/>
+        </a:solidFill>
+        <a:effectLst/>
+      </p:bgPr>
     </p:bg>
     <p:spTree>
       <p:nvGrpSpPr>
@@ -2915,9 +2927,9 @@
           <a:p>
             <a:fld id="{3D7E045B-5807-4C9D-A4FF-61FFD7961F37}" type="datetimeFigureOut">
               <a:rPr lang="pt-BR" smtClean="0"/>
-              <a:t>27/11/2017</a:t>
+              <a:t>03/12/2017</a:t>
             </a:fld>
-            <a:endParaRPr lang="pt-BR"/>
+            <a:endParaRPr lang="pt-BR" dirty="0"/>
           </a:p>
         </p:txBody>
       </p:sp>
@@ -2960,7 +2972,7 @@
             </a:lvl1pPr>
           </a:lstStyle>
           <a:p>
-            <a:endParaRPr lang="pt-BR"/>
+            <a:endParaRPr lang="pt-BR" dirty="0"/>
           </a:p>
         </p:txBody>
       </p:sp>
@@ -3007,7 +3019,7 @@
               <a:rPr lang="pt-BR" smtClean="0"/>
               <a:t>‹nº›</a:t>
             </a:fld>
-            <a:endParaRPr lang="pt-BR"/>
+            <a:endParaRPr lang="pt-BR" dirty="0"/>
           </a:p>
         </p:txBody>
       </p:sp>
@@ -3332,6 +3344,131 @@
           <a:chExt cx="0" cy="0"/>
         </a:xfrm>
       </p:grpSpPr>
+      <p:pic>
+        <p:nvPicPr>
+          <p:cNvPr id="10" name="Imagem 9">
+            <a:extLst>
+              <a:ext uri="{FF2B5EF4-FFF2-40B4-BE49-F238E27FC236}">
+                <a16:creationId xmlns:a16="http://schemas.microsoft.com/office/drawing/2014/main" id="{A74630FA-B0EA-4566-B7D5-9290A652DBCB}"/>
+              </a:ext>
+            </a:extLst>
+          </p:cNvPr>
+          <p:cNvPicPr>
+            <a:picLocks noChangeAspect="1"/>
+          </p:cNvPicPr>
+          <p:nvPr/>
+        </p:nvPicPr>
+        <p:blipFill rotWithShape="1">
+          <a:blip r:embed="rId2">
+            <a:extLst>
+              <a:ext uri="{BEBA8EAE-BF5A-486C-A8C5-ECC9F3942E4B}">
+                <a14:imgProps xmlns:a14="http://schemas.microsoft.com/office/drawing/2010/main">
+                  <a14:imgLayer r:embed="rId3">
+                    <a14:imgEffect>
+                      <a14:colorTemperature colorTemp="11200"/>
+                    </a14:imgEffect>
+                  </a14:imgLayer>
+                </a14:imgProps>
+              </a:ext>
+              <a:ext uri="{28A0092B-C50C-407E-A947-70E740481C1C}">
+                <a14:useLocalDpi xmlns:a14="http://schemas.microsoft.com/office/drawing/2010/main" val="0"/>
+              </a:ext>
+            </a:extLst>
+          </a:blip>
+          <a:srcRect b="14054"/>
+          <a:stretch/>
+        </p:blipFill>
+        <p:spPr>
+          <a:xfrm>
+            <a:off x="0" y="0"/>
+            <a:ext cx="12192000" cy="6858000"/>
+          </a:xfrm>
+          <a:prstGeom prst="rect">
+            <a:avLst/>
+          </a:prstGeom>
+        </p:spPr>
+      </p:pic>
+      <p:sp>
+        <p:nvSpPr>
+          <p:cNvPr id="12" name="Retângulo 11">
+            <a:extLst>
+              <a:ext uri="{FF2B5EF4-FFF2-40B4-BE49-F238E27FC236}">
+                <a16:creationId xmlns:a16="http://schemas.microsoft.com/office/drawing/2014/main" id="{138D0CE3-5CE7-4038-A003-48BA74ABA8BD}"/>
+              </a:ext>
+            </a:extLst>
+          </p:cNvPr>
+          <p:cNvSpPr/>
+          <p:nvPr/>
+        </p:nvSpPr>
+        <p:spPr>
+          <a:xfrm>
+            <a:off x="0" y="0"/>
+            <a:ext cx="12192000" cy="6858000"/>
+          </a:xfrm>
+          <a:prstGeom prst="rect">
+            <a:avLst/>
+          </a:prstGeom>
+          <a:solidFill>
+            <a:srgbClr val="99F799">
+              <a:alpha val="59000"/>
+            </a:srgbClr>
+          </a:solidFill>
+        </p:spPr>
+        <p:style>
+          <a:lnRef idx="2">
+            <a:schemeClr val="accent1">
+              <a:shade val="50000"/>
+            </a:schemeClr>
+          </a:lnRef>
+          <a:fillRef idx="1">
+            <a:schemeClr val="accent1"/>
+          </a:fillRef>
+          <a:effectRef idx="0">
+            <a:schemeClr val="accent1"/>
+          </a:effectRef>
+          <a:fontRef idx="minor">
+            <a:schemeClr val="lt1"/>
+          </a:fontRef>
+        </p:style>
+        <p:txBody>
+          <a:bodyPr rtlCol="0" anchor="ctr"/>
+          <a:lstStyle/>
+          <a:p>
+            <a:pPr algn="ctr"/>
+            <a:endParaRPr lang="pt-BR" dirty="0"/>
+          </a:p>
+        </p:txBody>
+      </p:sp>
+    </p:spTree>
+    <p:extLst>
+      <p:ext uri="{BB962C8B-B14F-4D97-AF65-F5344CB8AC3E}">
+        <p14:creationId xmlns:p14="http://schemas.microsoft.com/office/powerpoint/2010/main" val="1254472167"/>
+      </p:ext>
+    </p:extLst>
+  </p:cSld>
+  <p:clrMapOvr>
+    <a:masterClrMapping/>
+  </p:clrMapOvr>
+</p:sld>
+</file>
+
+<file path=ppt/slides/slide10.xml><?xml version="1.0" encoding="utf-8"?>
+<p:sld xmlns:a="http://schemas.openxmlformats.org/drawingml/2006/main" xmlns:r="http://schemas.openxmlformats.org/officeDocument/2006/relationships" xmlns:p="http://schemas.openxmlformats.org/presentationml/2006/main">
+  <p:cSld>
+    <p:spTree>
+      <p:nvGrpSpPr>
+        <p:cNvPr id="1" name=""/>
+        <p:cNvGrpSpPr/>
+        <p:nvPr/>
+      </p:nvGrpSpPr>
+      <p:grpSpPr>
+        <a:xfrm>
+          <a:off x="0" y="0"/>
+          <a:ext cx="0" cy="0"/>
+          <a:chOff x="0" y="0"/>
+          <a:chExt cx="0" cy="0"/>
+        </a:xfrm>
+      </p:grpSpPr>
       <p:sp>
         <p:nvSpPr>
           <p:cNvPr id="2" name="Título 1">
@@ -3350,12 +3487,21 @@
         </p:nvSpPr>
         <p:spPr/>
         <p:txBody>
-          <a:bodyPr/>
+          <a:bodyPr>
+            <a:normAutofit/>
+          </a:bodyPr>
           <a:lstStyle/>
           <a:p>
             <a:r>
-              <a:rPr lang="pt-BR" dirty="0"/>
-              <a:t>Tela descanso</a:t>
+              <a:rPr lang="pt-BR" dirty="0">
+                <a:solidFill>
+                  <a:schemeClr val="bg1">
+                    <a:lumMod val="95000"/>
+                  </a:schemeClr>
+                </a:solidFill>
+                <a:latin typeface="Berlin Sans FB" panose="020E0602020502020306" pitchFamily="34" charset="0"/>
+              </a:rPr>
+              <a:t>PERGUNTAS</a:t>
             </a:r>
             <a:br>
               <a:rPr lang="pt-BR" dirty="0"/>
@@ -3367,7 +3513,209 @@
     </p:spTree>
     <p:extLst>
       <p:ext uri="{BB962C8B-B14F-4D97-AF65-F5344CB8AC3E}">
-        <p14:creationId xmlns:p14="http://schemas.microsoft.com/office/powerpoint/2010/main" val="1254472167"/>
+        <p14:creationId xmlns:p14="http://schemas.microsoft.com/office/powerpoint/2010/main" val="2010022053"/>
+      </p:ext>
+    </p:extLst>
+  </p:cSld>
+  <p:clrMapOvr>
+    <a:masterClrMapping/>
+  </p:clrMapOvr>
+</p:sld>
+</file>
+
+<file path=ppt/slides/slide11.xml><?xml version="1.0" encoding="utf-8"?>
+<p:sld xmlns:a="http://schemas.openxmlformats.org/drawingml/2006/main" xmlns:r="http://schemas.openxmlformats.org/officeDocument/2006/relationships" xmlns:p="http://schemas.openxmlformats.org/presentationml/2006/main">
+  <p:cSld>
+    <p:spTree>
+      <p:nvGrpSpPr>
+        <p:cNvPr id="1" name=""/>
+        <p:cNvGrpSpPr/>
+        <p:nvPr/>
+      </p:nvGrpSpPr>
+      <p:grpSpPr>
+        <a:xfrm>
+          <a:off x="0" y="0"/>
+          <a:ext cx="0" cy="0"/>
+          <a:chOff x="0" y="0"/>
+          <a:chExt cx="0" cy="0"/>
+        </a:xfrm>
+      </p:grpSpPr>
+      <p:sp>
+        <p:nvSpPr>
+          <p:cNvPr id="5" name="CaixaDeTexto 4">
+            <a:extLst>
+              <a:ext uri="{FF2B5EF4-FFF2-40B4-BE49-F238E27FC236}">
+                <a16:creationId xmlns:a16="http://schemas.microsoft.com/office/drawing/2014/main" id="{833FE92F-7812-43D5-A51A-5B476813099F}"/>
+              </a:ext>
+            </a:extLst>
+          </p:cNvPr>
+          <p:cNvSpPr txBox="1"/>
+          <p:nvPr/>
+        </p:nvSpPr>
+        <p:spPr>
+          <a:xfrm>
+            <a:off x="1" y="801858"/>
+            <a:ext cx="12192000" cy="923330"/>
+          </a:xfrm>
+          <a:prstGeom prst="rect">
+            <a:avLst/>
+          </a:prstGeom>
+          <a:noFill/>
+        </p:spPr>
+        <p:txBody>
+          <a:bodyPr wrap="square" rtlCol="0">
+            <a:spAutoFit/>
+          </a:bodyPr>
+          <a:lstStyle/>
+          <a:p>
+            <a:pPr algn="ctr"/>
+            <a:r>
+              <a:rPr lang="pt-BR" sz="5400" dirty="0">
+                <a:solidFill>
+                  <a:schemeClr val="bg1">
+                    <a:lumMod val="95000"/>
+                  </a:schemeClr>
+                </a:solidFill>
+                <a:latin typeface="Berlin Sans FB" panose="020E0602020502020306" pitchFamily="34" charset="0"/>
+              </a:rPr>
+              <a:t>AGRADECIMENTOS</a:t>
+            </a:r>
+            <a:endParaRPr lang="pt-BR" sz="5400" dirty="0">
+              <a:solidFill>
+                <a:schemeClr val="bg1">
+                  <a:lumMod val="95000"/>
+                </a:schemeClr>
+              </a:solidFill>
+            </a:endParaRPr>
+          </a:p>
+        </p:txBody>
+      </p:sp>
+      <p:sp>
+        <p:nvSpPr>
+          <p:cNvPr id="6" name="CaixaDeTexto 5">
+            <a:extLst>
+              <a:ext uri="{FF2B5EF4-FFF2-40B4-BE49-F238E27FC236}">
+                <a16:creationId xmlns:a16="http://schemas.microsoft.com/office/drawing/2014/main" id="{39A9BECD-9093-4269-B8C3-34E30A355251}"/>
+              </a:ext>
+            </a:extLst>
+          </p:cNvPr>
+          <p:cNvSpPr txBox="1"/>
+          <p:nvPr/>
+        </p:nvSpPr>
+        <p:spPr>
+          <a:xfrm>
+            <a:off x="0" y="2307102"/>
+            <a:ext cx="12192000" cy="1938992"/>
+          </a:xfrm>
+          <a:prstGeom prst="rect">
+            <a:avLst/>
+          </a:prstGeom>
+          <a:noFill/>
+        </p:spPr>
+        <p:txBody>
+          <a:bodyPr wrap="square" rtlCol="0">
+            <a:spAutoFit/>
+          </a:bodyPr>
+          <a:lstStyle/>
+          <a:p>
+            <a:pPr algn="just"/>
+            <a:r>
+              <a:rPr lang="pt-BR" sz="2800" dirty="0">
+                <a:solidFill>
+                  <a:schemeClr val="bg1">
+                    <a:lumMod val="95000"/>
+                  </a:schemeClr>
+                </a:solidFill>
+                <a:latin typeface="Berlin Sans FB" panose="020E0602020502020306" pitchFamily="34" charset="0"/>
+              </a:rPr>
+              <a:t>Primeiramente agradecemos primeiramente a Deus, e a todos os professores por sua partilha de experiência, assim como todos os nosso colegas de classe que contribuíram diretamente ou indiretamente para o projeto</a:t>
+            </a:r>
+          </a:p>
+          <a:p>
+            <a:endParaRPr lang="pt-BR" dirty="0"/>
+          </a:p>
+          <a:p>
+            <a:endParaRPr lang="pt-BR" dirty="0"/>
+          </a:p>
+        </p:txBody>
+      </p:sp>
+    </p:spTree>
+    <p:extLst>
+      <p:ext uri="{BB962C8B-B14F-4D97-AF65-F5344CB8AC3E}">
+        <p14:creationId xmlns:p14="http://schemas.microsoft.com/office/powerpoint/2010/main" val="1517257733"/>
+      </p:ext>
+    </p:extLst>
+  </p:cSld>
+  <p:clrMapOvr>
+    <a:masterClrMapping/>
+  </p:clrMapOvr>
+</p:sld>
+</file>
+
+<file path=ppt/slides/slide12.xml><?xml version="1.0" encoding="utf-8"?>
+<p:sld xmlns:a="http://schemas.openxmlformats.org/drawingml/2006/main" xmlns:r="http://schemas.openxmlformats.org/officeDocument/2006/relationships" xmlns:p="http://schemas.openxmlformats.org/presentationml/2006/main">
+  <p:cSld>
+    <p:spTree>
+      <p:nvGrpSpPr>
+        <p:cNvPr id="1" name=""/>
+        <p:cNvGrpSpPr/>
+        <p:nvPr/>
+      </p:nvGrpSpPr>
+      <p:grpSpPr>
+        <a:xfrm>
+          <a:off x="0" y="0"/>
+          <a:ext cx="0" cy="0"/>
+          <a:chOff x="0" y="0"/>
+          <a:chExt cx="0" cy="0"/>
+        </a:xfrm>
+      </p:grpSpPr>
+      <p:sp>
+        <p:nvSpPr>
+          <p:cNvPr id="5" name="CaixaDeTexto 4">
+            <a:extLst>
+              <a:ext uri="{FF2B5EF4-FFF2-40B4-BE49-F238E27FC236}">
+                <a16:creationId xmlns:a16="http://schemas.microsoft.com/office/drawing/2014/main" id="{720DFB19-36B0-4E88-A530-B3D5AE0C8F8A}"/>
+              </a:ext>
+            </a:extLst>
+          </p:cNvPr>
+          <p:cNvSpPr txBox="1"/>
+          <p:nvPr/>
+        </p:nvSpPr>
+        <p:spPr>
+          <a:xfrm>
+            <a:off x="0" y="2367116"/>
+            <a:ext cx="12192000" cy="1862048"/>
+          </a:xfrm>
+          <a:prstGeom prst="rect">
+            <a:avLst/>
+          </a:prstGeom>
+          <a:noFill/>
+        </p:spPr>
+        <p:txBody>
+          <a:bodyPr wrap="square" rtlCol="0">
+            <a:spAutoFit/>
+          </a:bodyPr>
+          <a:lstStyle/>
+          <a:p>
+            <a:pPr algn="ctr"/>
+            <a:r>
+              <a:rPr lang="pt-BR" sz="11500" dirty="0">
+                <a:solidFill>
+                  <a:schemeClr val="bg1">
+                    <a:lumMod val="95000"/>
+                  </a:schemeClr>
+                </a:solidFill>
+                <a:latin typeface="Berlin Sans FB" panose="020E0602020502020306" pitchFamily="34" charset="0"/>
+              </a:rPr>
+              <a:t>FIM</a:t>
+            </a:r>
+          </a:p>
+        </p:txBody>
+      </p:sp>
+    </p:spTree>
+    <p:extLst>
+      <p:ext uri="{BB962C8B-B14F-4D97-AF65-F5344CB8AC3E}">
+        <p14:creationId xmlns:p14="http://schemas.microsoft.com/office/powerpoint/2010/main" val="1792067182"/>
       </p:ext>
     </p:extLst>
   </p:cSld>
@@ -3396,41 +3744,1076 @@
       </p:grpSpPr>
       <p:sp>
         <p:nvSpPr>
-          <p:cNvPr id="2" name="Título 1">
-            <a:extLst>
-              <a:ext uri="{FF2B5EF4-FFF2-40B4-BE49-F238E27FC236}">
-                <a16:creationId xmlns:a16="http://schemas.microsoft.com/office/drawing/2014/main" id="{E76AD0B1-3FFC-43A5-B3FF-7757A1F782EE}"/>
-              </a:ext>
-            </a:extLst>
-          </p:cNvPr>
-          <p:cNvSpPr>
-            <a:spLocks noGrp="1"/>
-          </p:cNvSpPr>
-          <p:nvPr>
-            <p:ph type="ctrTitle"/>
-          </p:nvPr>
-        </p:nvSpPr>
-        <p:spPr/>
-        <p:txBody>
-          <a:bodyPr>
-            <a:normAutofit fontScale="90000"/>
+          <p:cNvPr id="5" name="CaixaDeTexto 4">
+            <a:extLst>
+              <a:ext uri="{FF2B5EF4-FFF2-40B4-BE49-F238E27FC236}">
+                <a16:creationId xmlns:a16="http://schemas.microsoft.com/office/drawing/2014/main" id="{4DC64720-25C3-4F59-A8FC-3304AFD77659}"/>
+              </a:ext>
+            </a:extLst>
+          </p:cNvPr>
+          <p:cNvSpPr txBox="1"/>
+          <p:nvPr/>
+        </p:nvSpPr>
+        <p:spPr>
+          <a:xfrm>
+            <a:off x="-2708114" y="1554657"/>
+            <a:ext cx="12192000" cy="1200329"/>
+          </a:xfrm>
+          <a:prstGeom prst="rect">
+            <a:avLst/>
+          </a:prstGeom>
+          <a:noFill/>
+        </p:spPr>
+        <p:txBody>
+          <a:bodyPr wrap="square" rtlCol="0">
+            <a:spAutoFit/>
           </a:bodyPr>
           <a:lstStyle/>
           <a:p>
-            <a:r>
-              <a:rPr lang="pt-BR" dirty="0"/>
-              <a:t>CAPA</a:t>
-            </a:r>
-            <a:br>
-              <a:rPr lang="pt-BR" dirty="0"/>
-            </a:br>
-            <a:br>
-              <a:rPr lang="pt-BR" dirty="0"/>
-            </a:br>
-            <a:endParaRPr lang="pt-BR" dirty="0"/>
-          </a:p>
-        </p:txBody>
-      </p:sp>
+            <a:pPr algn="ctr"/>
+            <a:r>
+              <a:rPr lang="pt-BR" sz="7200" dirty="0">
+                <a:solidFill>
+                  <a:schemeClr val="bg1">
+                    <a:lumMod val="95000"/>
+                  </a:schemeClr>
+                </a:solidFill>
+                <a:latin typeface="Berlin Sans FB" panose="020E0602020502020306" pitchFamily="34" charset="0"/>
+              </a:rPr>
+              <a:t>HelpHere</a:t>
+            </a:r>
+          </a:p>
+        </p:txBody>
+      </p:sp>
+      <p:pic>
+        <p:nvPicPr>
+          <p:cNvPr id="15" name="Imagem 14">
+            <a:extLst>
+              <a:ext uri="{FF2B5EF4-FFF2-40B4-BE49-F238E27FC236}">
+                <a16:creationId xmlns:a16="http://schemas.microsoft.com/office/drawing/2014/main" id="{C2E26120-5173-4D7A-B6F3-AC25F318C15B}"/>
+              </a:ext>
+            </a:extLst>
+          </p:cNvPr>
+          <p:cNvPicPr>
+            <a:picLocks noChangeAspect="1"/>
+          </p:cNvPicPr>
+          <p:nvPr/>
+        </p:nvPicPr>
+        <p:blipFill>
+          <a:blip r:embed="rId2">
+            <a:extLst>
+              <a:ext uri="{28A0092B-C50C-407E-A947-70E740481C1C}">
+                <a14:useLocalDpi xmlns:a14="http://schemas.microsoft.com/office/drawing/2010/main" val="0"/>
+              </a:ext>
+            </a:extLst>
+          </a:blip>
+          <a:stretch>
+            <a:fillRect/>
+          </a:stretch>
+        </p:blipFill>
+        <p:spPr>
+          <a:xfrm rot="17969782">
+            <a:off x="-154745" y="2008020"/>
+            <a:ext cx="1473817" cy="1473817"/>
+          </a:xfrm>
+          <a:prstGeom prst="rect">
+            <a:avLst/>
+          </a:prstGeom>
+        </p:spPr>
+      </p:pic>
+      <p:pic>
+        <p:nvPicPr>
+          <p:cNvPr id="16" name="Imagem 15">
+            <a:extLst>
+              <a:ext uri="{FF2B5EF4-FFF2-40B4-BE49-F238E27FC236}">
+                <a16:creationId xmlns:a16="http://schemas.microsoft.com/office/drawing/2014/main" id="{F3B672B3-AFEE-4EB9-A308-8FAC26E4E6BA}"/>
+              </a:ext>
+            </a:extLst>
+          </p:cNvPr>
+          <p:cNvPicPr>
+            <a:picLocks noChangeAspect="1"/>
+          </p:cNvPicPr>
+          <p:nvPr/>
+        </p:nvPicPr>
+        <p:blipFill>
+          <a:blip r:embed="rId2">
+            <a:extLst>
+              <a:ext uri="{28A0092B-C50C-407E-A947-70E740481C1C}">
+                <a14:useLocalDpi xmlns:a14="http://schemas.microsoft.com/office/drawing/2010/main" val="0"/>
+              </a:ext>
+            </a:extLst>
+          </a:blip>
+          <a:stretch>
+            <a:fillRect/>
+          </a:stretch>
+        </p:blipFill>
+        <p:spPr>
+          <a:xfrm rot="17969782">
+            <a:off x="2680443" y="5332906"/>
+            <a:ext cx="1962565" cy="1962565"/>
+          </a:xfrm>
+          <a:prstGeom prst="rect">
+            <a:avLst/>
+          </a:prstGeom>
+        </p:spPr>
+      </p:pic>
+      <p:pic>
+        <p:nvPicPr>
+          <p:cNvPr id="20" name="Imagem 19">
+            <a:extLst>
+              <a:ext uri="{FF2B5EF4-FFF2-40B4-BE49-F238E27FC236}">
+                <a16:creationId xmlns:a16="http://schemas.microsoft.com/office/drawing/2014/main" id="{06AB0B61-EB6B-4912-890F-62F88B9551A4}"/>
+              </a:ext>
+            </a:extLst>
+          </p:cNvPr>
+          <p:cNvPicPr>
+            <a:picLocks noChangeAspect="1"/>
+          </p:cNvPicPr>
+          <p:nvPr/>
+        </p:nvPicPr>
+        <p:blipFill>
+          <a:blip r:embed="rId2">
+            <a:extLst>
+              <a:ext uri="{28A0092B-C50C-407E-A947-70E740481C1C}">
+                <a14:useLocalDpi xmlns:a14="http://schemas.microsoft.com/office/drawing/2010/main" val="0"/>
+              </a:ext>
+            </a:extLst>
+          </a:blip>
+          <a:stretch>
+            <a:fillRect/>
+          </a:stretch>
+        </p:blipFill>
+        <p:spPr>
+          <a:xfrm rot="2700000">
+            <a:off x="10613071" y="54056"/>
+            <a:ext cx="1962565" cy="1962565"/>
+          </a:xfrm>
+          <a:prstGeom prst="rect">
+            <a:avLst/>
+          </a:prstGeom>
+        </p:spPr>
+      </p:pic>
+      <p:grpSp>
+        <p:nvGrpSpPr>
+          <p:cNvPr id="38" name="Agrupar 37">
+            <a:extLst>
+              <a:ext uri="{FF2B5EF4-FFF2-40B4-BE49-F238E27FC236}">
+                <a16:creationId xmlns:a16="http://schemas.microsoft.com/office/drawing/2014/main" id="{A615D5FA-14FD-4519-B8BA-17ADD412DE3C}"/>
+              </a:ext>
+            </a:extLst>
+          </p:cNvPr>
+          <p:cNvGrpSpPr/>
+          <p:nvPr/>
+        </p:nvGrpSpPr>
+        <p:grpSpPr>
+          <a:xfrm>
+            <a:off x="-428465" y="-164070"/>
+            <a:ext cx="12533445" cy="7186140"/>
+            <a:chOff x="-718517" y="2848025"/>
+            <a:chExt cx="12533445" cy="7186140"/>
+          </a:xfrm>
+        </p:grpSpPr>
+        <p:pic>
+          <p:nvPicPr>
+            <p:cNvPr id="7" name="Imagem 6">
+              <a:extLst>
+                <a:ext uri="{FF2B5EF4-FFF2-40B4-BE49-F238E27FC236}">
+                  <a16:creationId xmlns:a16="http://schemas.microsoft.com/office/drawing/2014/main" id="{2BFB6889-36EF-4BE4-AA48-EBA57FAA0643}"/>
+                </a:ext>
+              </a:extLst>
+            </p:cNvPr>
+            <p:cNvPicPr>
+              <a:picLocks noChangeAspect="1"/>
+            </p:cNvPicPr>
+            <p:nvPr/>
+          </p:nvPicPr>
+          <p:blipFill>
+            <a:blip r:embed="rId2">
+              <a:extLst>
+                <a:ext uri="{28A0092B-C50C-407E-A947-70E740481C1C}">
+                  <a14:useLocalDpi xmlns:a14="http://schemas.microsoft.com/office/drawing/2010/main" val="0"/>
+                </a:ext>
+              </a:extLst>
+            </a:blip>
+            <a:stretch>
+              <a:fillRect/>
+            </a:stretch>
+          </p:blipFill>
+          <p:spPr>
+            <a:xfrm rot="17969782">
+              <a:off x="1396881" y="7845899"/>
+              <a:ext cx="1473817" cy="1473817"/>
+            </a:xfrm>
+            <a:prstGeom prst="rect">
+              <a:avLst/>
+            </a:prstGeom>
+          </p:spPr>
+        </p:pic>
+        <p:pic>
+          <p:nvPicPr>
+            <p:cNvPr id="8" name="Imagem 7">
+              <a:extLst>
+                <a:ext uri="{FF2B5EF4-FFF2-40B4-BE49-F238E27FC236}">
+                  <a16:creationId xmlns:a16="http://schemas.microsoft.com/office/drawing/2014/main" id="{FA842A23-2B2A-4D6B-B158-D1A505987E82}"/>
+                </a:ext>
+              </a:extLst>
+            </p:cNvPr>
+            <p:cNvPicPr>
+              <a:picLocks noChangeAspect="1"/>
+            </p:cNvPicPr>
+            <p:nvPr/>
+          </p:nvPicPr>
+          <p:blipFill>
+            <a:blip r:embed="rId2">
+              <a:extLst>
+                <a:ext uri="{28A0092B-C50C-407E-A947-70E740481C1C}">
+                  <a14:useLocalDpi xmlns:a14="http://schemas.microsoft.com/office/drawing/2010/main" val="0"/>
+                </a:ext>
+              </a:extLst>
+            </a:blip>
+            <a:stretch>
+              <a:fillRect/>
+            </a:stretch>
+          </p:blipFill>
+          <p:spPr>
+            <a:xfrm rot="17969782">
+              <a:off x="3080176" y="7179639"/>
+              <a:ext cx="1962565" cy="1962565"/>
+            </a:xfrm>
+            <a:prstGeom prst="rect">
+              <a:avLst/>
+            </a:prstGeom>
+          </p:spPr>
+        </p:pic>
+        <p:pic>
+          <p:nvPicPr>
+            <p:cNvPr id="9" name="Imagem 8">
+              <a:extLst>
+                <a:ext uri="{FF2B5EF4-FFF2-40B4-BE49-F238E27FC236}">
+                  <a16:creationId xmlns:a16="http://schemas.microsoft.com/office/drawing/2014/main" id="{720C866F-BE3B-43B4-A46C-EACC7678E984}"/>
+                </a:ext>
+              </a:extLst>
+            </p:cNvPr>
+            <p:cNvPicPr>
+              <a:picLocks noChangeAspect="1"/>
+            </p:cNvPicPr>
+            <p:nvPr/>
+          </p:nvPicPr>
+          <p:blipFill>
+            <a:blip r:embed="rId2">
+              <a:extLst>
+                <a:ext uri="{28A0092B-C50C-407E-A947-70E740481C1C}">
+                  <a14:useLocalDpi xmlns:a14="http://schemas.microsoft.com/office/drawing/2010/main" val="0"/>
+                </a:ext>
+              </a:extLst>
+            </a:blip>
+            <a:stretch>
+              <a:fillRect/>
+            </a:stretch>
+          </p:blipFill>
+          <p:spPr>
+            <a:xfrm rot="17969782">
+              <a:off x="620813" y="5387100"/>
+              <a:ext cx="1473817" cy="1473817"/>
+            </a:xfrm>
+            <a:prstGeom prst="rect">
+              <a:avLst/>
+            </a:prstGeom>
+          </p:spPr>
+        </p:pic>
+        <p:pic>
+          <p:nvPicPr>
+            <p:cNvPr id="10" name="Imagem 9">
+              <a:extLst>
+                <a:ext uri="{FF2B5EF4-FFF2-40B4-BE49-F238E27FC236}">
+                  <a16:creationId xmlns:a16="http://schemas.microsoft.com/office/drawing/2014/main" id="{187996D1-359A-4528-A8A6-F40CCFA9D75B}"/>
+                </a:ext>
+              </a:extLst>
+            </p:cNvPr>
+            <p:cNvPicPr>
+              <a:picLocks noChangeAspect="1"/>
+            </p:cNvPicPr>
+            <p:nvPr/>
+          </p:nvPicPr>
+          <p:blipFill>
+            <a:blip r:embed="rId2">
+              <a:extLst>
+                <a:ext uri="{28A0092B-C50C-407E-A947-70E740481C1C}">
+                  <a14:useLocalDpi xmlns:a14="http://schemas.microsoft.com/office/drawing/2010/main" val="0"/>
+                </a:ext>
+              </a:extLst>
+            </a:blip>
+            <a:stretch>
+              <a:fillRect/>
+            </a:stretch>
+          </p:blipFill>
+          <p:spPr>
+            <a:xfrm rot="17969782">
+              <a:off x="6591888" y="3384679"/>
+              <a:ext cx="1893329" cy="1893329"/>
+            </a:xfrm>
+            <a:prstGeom prst="rect">
+              <a:avLst/>
+            </a:prstGeom>
+          </p:spPr>
+        </p:pic>
+        <p:pic>
+          <p:nvPicPr>
+            <p:cNvPr id="11" name="Imagem 10">
+              <a:extLst>
+                <a:ext uri="{FF2B5EF4-FFF2-40B4-BE49-F238E27FC236}">
+                  <a16:creationId xmlns:a16="http://schemas.microsoft.com/office/drawing/2014/main" id="{FCC2F6CF-1DFE-40EB-9876-94045CBBF422}"/>
+                </a:ext>
+              </a:extLst>
+            </p:cNvPr>
+            <p:cNvPicPr>
+              <a:picLocks noChangeAspect="1"/>
+            </p:cNvPicPr>
+            <p:nvPr/>
+          </p:nvPicPr>
+          <p:blipFill>
+            <a:blip r:embed="rId2">
+              <a:extLst>
+                <a:ext uri="{28A0092B-C50C-407E-A947-70E740481C1C}">
+                  <a14:useLocalDpi xmlns:a14="http://schemas.microsoft.com/office/drawing/2010/main" val="0"/>
+                </a:ext>
+              </a:extLst>
+            </a:blip>
+            <a:stretch>
+              <a:fillRect/>
+            </a:stretch>
+          </p:blipFill>
+          <p:spPr>
+            <a:xfrm rot="17969782">
+              <a:off x="2182329" y="3108695"/>
+              <a:ext cx="1473817" cy="1473817"/>
+            </a:xfrm>
+            <a:prstGeom prst="rect">
+              <a:avLst/>
+            </a:prstGeom>
+          </p:spPr>
+        </p:pic>
+        <p:pic>
+          <p:nvPicPr>
+            <p:cNvPr id="12" name="Imagem 11">
+              <a:extLst>
+                <a:ext uri="{FF2B5EF4-FFF2-40B4-BE49-F238E27FC236}">
+                  <a16:creationId xmlns:a16="http://schemas.microsoft.com/office/drawing/2014/main" id="{B17DF5BE-BD10-4469-8561-E63880D4835D}"/>
+                </a:ext>
+              </a:extLst>
+            </p:cNvPr>
+            <p:cNvPicPr>
+              <a:picLocks noChangeAspect="1"/>
+            </p:cNvPicPr>
+            <p:nvPr/>
+          </p:nvPicPr>
+          <p:blipFill>
+            <a:blip r:embed="rId2">
+              <a:extLst>
+                <a:ext uri="{28A0092B-C50C-407E-A947-70E740481C1C}">
+                  <a14:useLocalDpi xmlns:a14="http://schemas.microsoft.com/office/drawing/2010/main" val="0"/>
+                </a:ext>
+              </a:extLst>
+            </a:blip>
+            <a:stretch>
+              <a:fillRect/>
+            </a:stretch>
+          </p:blipFill>
+          <p:spPr>
+            <a:xfrm rot="2700000">
+              <a:off x="8507960" y="7632344"/>
+              <a:ext cx="1962565" cy="1962565"/>
+            </a:xfrm>
+            <a:prstGeom prst="rect">
+              <a:avLst/>
+            </a:prstGeom>
+          </p:spPr>
+        </p:pic>
+        <p:pic>
+          <p:nvPicPr>
+            <p:cNvPr id="14" name="Imagem 13">
+              <a:extLst>
+                <a:ext uri="{FF2B5EF4-FFF2-40B4-BE49-F238E27FC236}">
+                  <a16:creationId xmlns:a16="http://schemas.microsoft.com/office/drawing/2014/main" id="{C6BA3346-AD97-46E8-95DF-1A25A0C97B83}"/>
+                </a:ext>
+              </a:extLst>
+            </p:cNvPr>
+            <p:cNvPicPr>
+              <a:picLocks noChangeAspect="1"/>
+            </p:cNvPicPr>
+            <p:nvPr/>
+          </p:nvPicPr>
+          <p:blipFill>
+            <a:blip r:embed="rId2">
+              <a:extLst>
+                <a:ext uri="{28A0092B-C50C-407E-A947-70E740481C1C}">
+                  <a14:useLocalDpi xmlns:a14="http://schemas.microsoft.com/office/drawing/2010/main" val="0"/>
+                </a:ext>
+              </a:extLst>
+            </a:blip>
+            <a:stretch>
+              <a:fillRect/>
+            </a:stretch>
+          </p:blipFill>
+          <p:spPr>
+            <a:xfrm rot="2700000">
+              <a:off x="8784614" y="3447731"/>
+              <a:ext cx="1962565" cy="1962565"/>
+            </a:xfrm>
+            <a:prstGeom prst="rect">
+              <a:avLst/>
+            </a:prstGeom>
+          </p:spPr>
+        </p:pic>
+        <p:pic>
+          <p:nvPicPr>
+            <p:cNvPr id="17" name="Imagem 16">
+              <a:extLst>
+                <a:ext uri="{FF2B5EF4-FFF2-40B4-BE49-F238E27FC236}">
+                  <a16:creationId xmlns:a16="http://schemas.microsoft.com/office/drawing/2014/main" id="{F53F2E29-3113-4384-A00B-4451E3A88882}"/>
+                </a:ext>
+              </a:extLst>
+            </p:cNvPr>
+            <p:cNvPicPr>
+              <a:picLocks noChangeAspect="1"/>
+            </p:cNvPicPr>
+            <p:nvPr/>
+          </p:nvPicPr>
+          <p:blipFill>
+            <a:blip r:embed="rId2">
+              <a:extLst>
+                <a:ext uri="{28A0092B-C50C-407E-A947-70E740481C1C}">
+                  <a14:useLocalDpi xmlns:a14="http://schemas.microsoft.com/office/drawing/2010/main" val="0"/>
+                </a:ext>
+              </a:extLst>
+            </a:blip>
+            <a:stretch>
+              <a:fillRect/>
+            </a:stretch>
+          </p:blipFill>
+          <p:spPr>
+            <a:xfrm rot="17969782">
+              <a:off x="-458745" y="8437091"/>
+              <a:ext cx="1473817" cy="1473817"/>
+            </a:xfrm>
+            <a:prstGeom prst="rect">
+              <a:avLst/>
+            </a:prstGeom>
+          </p:spPr>
+        </p:pic>
+        <p:pic>
+          <p:nvPicPr>
+            <p:cNvPr id="18" name="Imagem 17">
+              <a:extLst>
+                <a:ext uri="{FF2B5EF4-FFF2-40B4-BE49-F238E27FC236}">
+                  <a16:creationId xmlns:a16="http://schemas.microsoft.com/office/drawing/2014/main" id="{D5A76756-3FE5-4E1C-8EB3-4174C5E35F04}"/>
+                </a:ext>
+              </a:extLst>
+            </p:cNvPr>
+            <p:cNvPicPr>
+              <a:picLocks noChangeAspect="1"/>
+            </p:cNvPicPr>
+            <p:nvPr/>
+          </p:nvPicPr>
+          <p:blipFill>
+            <a:blip r:embed="rId2">
+              <a:extLst>
+                <a:ext uri="{28A0092B-C50C-407E-A947-70E740481C1C}">
+                  <a14:useLocalDpi xmlns:a14="http://schemas.microsoft.com/office/drawing/2010/main" val="0"/>
+                </a:ext>
+              </a:extLst>
+            </a:blip>
+            <a:stretch>
+              <a:fillRect/>
+            </a:stretch>
+          </p:blipFill>
+          <p:spPr>
+            <a:xfrm rot="17969782">
+              <a:off x="5512330" y="6434670"/>
+              <a:ext cx="1893329" cy="1893329"/>
+            </a:xfrm>
+            <a:prstGeom prst="rect">
+              <a:avLst/>
+            </a:prstGeom>
+          </p:spPr>
+        </p:pic>
+        <p:pic>
+          <p:nvPicPr>
+            <p:cNvPr id="19" name="Imagem 18">
+              <a:extLst>
+                <a:ext uri="{FF2B5EF4-FFF2-40B4-BE49-F238E27FC236}">
+                  <a16:creationId xmlns:a16="http://schemas.microsoft.com/office/drawing/2014/main" id="{2911B97F-2079-49E1-841C-403A4734B9A0}"/>
+                </a:ext>
+              </a:extLst>
+            </p:cNvPr>
+            <p:cNvPicPr>
+              <a:picLocks noChangeAspect="1"/>
+            </p:cNvPicPr>
+            <p:nvPr/>
+          </p:nvPicPr>
+          <p:blipFill>
+            <a:blip r:embed="rId2">
+              <a:extLst>
+                <a:ext uri="{28A0092B-C50C-407E-A947-70E740481C1C}">
+                  <a14:useLocalDpi xmlns:a14="http://schemas.microsoft.com/office/drawing/2010/main" val="0"/>
+                </a:ext>
+              </a:extLst>
+            </a:blip>
+            <a:stretch>
+              <a:fillRect/>
+            </a:stretch>
+          </p:blipFill>
+          <p:spPr>
+            <a:xfrm rot="17969782">
+              <a:off x="1044217" y="6615533"/>
+              <a:ext cx="1473817" cy="1473817"/>
+            </a:xfrm>
+            <a:prstGeom prst="rect">
+              <a:avLst/>
+            </a:prstGeom>
+          </p:spPr>
+        </p:pic>
+        <p:pic>
+          <p:nvPicPr>
+            <p:cNvPr id="21" name="Imagem 20">
+              <a:extLst>
+                <a:ext uri="{FF2B5EF4-FFF2-40B4-BE49-F238E27FC236}">
+                  <a16:creationId xmlns:a16="http://schemas.microsoft.com/office/drawing/2014/main" id="{018DFF71-2F9D-4F1F-B5AE-A0C07CCFF221}"/>
+                </a:ext>
+              </a:extLst>
+            </p:cNvPr>
+            <p:cNvPicPr>
+              <a:picLocks noChangeAspect="1"/>
+            </p:cNvPicPr>
+            <p:nvPr/>
+          </p:nvPicPr>
+          <p:blipFill>
+            <a:blip r:embed="rId2">
+              <a:extLst>
+                <a:ext uri="{28A0092B-C50C-407E-A947-70E740481C1C}">
+                  <a14:useLocalDpi xmlns:a14="http://schemas.microsoft.com/office/drawing/2010/main" val="0"/>
+                </a:ext>
+              </a:extLst>
+            </a:blip>
+            <a:stretch>
+              <a:fillRect/>
+            </a:stretch>
+          </p:blipFill>
+          <p:spPr>
+            <a:xfrm rot="2700000">
+              <a:off x="7705056" y="6497722"/>
+              <a:ext cx="1962565" cy="1962565"/>
+            </a:xfrm>
+            <a:prstGeom prst="rect">
+              <a:avLst/>
+            </a:prstGeom>
+          </p:spPr>
+        </p:pic>
+        <p:pic>
+          <p:nvPicPr>
+            <p:cNvPr id="22" name="Imagem 21">
+              <a:extLst>
+                <a:ext uri="{FF2B5EF4-FFF2-40B4-BE49-F238E27FC236}">
+                  <a16:creationId xmlns:a16="http://schemas.microsoft.com/office/drawing/2014/main" id="{6B53A7A7-41FE-4972-9FAB-296E2F77239F}"/>
+                </a:ext>
+              </a:extLst>
+            </p:cNvPr>
+            <p:cNvPicPr>
+              <a:picLocks noChangeAspect="1"/>
+            </p:cNvPicPr>
+            <p:nvPr/>
+          </p:nvPicPr>
+          <p:blipFill>
+            <a:blip r:embed="rId2">
+              <a:extLst>
+                <a:ext uri="{28A0092B-C50C-407E-A947-70E740481C1C}">
+                  <a14:useLocalDpi xmlns:a14="http://schemas.microsoft.com/office/drawing/2010/main" val="0"/>
+                </a:ext>
+              </a:extLst>
+            </a:blip>
+            <a:stretch>
+              <a:fillRect/>
+            </a:stretch>
+          </p:blipFill>
+          <p:spPr>
+            <a:xfrm rot="2765753">
+              <a:off x="5338513" y="4391595"/>
+              <a:ext cx="1893329" cy="1893329"/>
+            </a:xfrm>
+            <a:prstGeom prst="rect">
+              <a:avLst/>
+            </a:prstGeom>
+          </p:spPr>
+        </p:pic>
+        <p:pic>
+          <p:nvPicPr>
+            <p:cNvPr id="23" name="Imagem 22">
+              <a:extLst>
+                <a:ext uri="{FF2B5EF4-FFF2-40B4-BE49-F238E27FC236}">
+                  <a16:creationId xmlns:a16="http://schemas.microsoft.com/office/drawing/2014/main" id="{9C5DA176-9975-4CA0-AC0E-0D041A5607DF}"/>
+                </a:ext>
+              </a:extLst>
+            </p:cNvPr>
+            <p:cNvPicPr>
+              <a:picLocks noChangeAspect="1"/>
+            </p:cNvPicPr>
+            <p:nvPr/>
+          </p:nvPicPr>
+          <p:blipFill>
+            <a:blip r:embed="rId2">
+              <a:extLst>
+                <a:ext uri="{28A0092B-C50C-407E-A947-70E740481C1C}">
+                  <a14:useLocalDpi xmlns:a14="http://schemas.microsoft.com/office/drawing/2010/main" val="0"/>
+                </a:ext>
+              </a:extLst>
+            </a:blip>
+            <a:stretch>
+              <a:fillRect/>
+            </a:stretch>
+          </p:blipFill>
+          <p:spPr>
+            <a:xfrm rot="17969782">
+              <a:off x="1321550" y="2902931"/>
+              <a:ext cx="1473817" cy="1473817"/>
+            </a:xfrm>
+            <a:prstGeom prst="rect">
+              <a:avLst/>
+            </a:prstGeom>
+          </p:spPr>
+        </p:pic>
+        <p:pic>
+          <p:nvPicPr>
+            <p:cNvPr id="24" name="Imagem 23">
+              <a:extLst>
+                <a:ext uri="{FF2B5EF4-FFF2-40B4-BE49-F238E27FC236}">
+                  <a16:creationId xmlns:a16="http://schemas.microsoft.com/office/drawing/2014/main" id="{2CB85256-E082-42E0-A0A3-39FDE5839D42}"/>
+                </a:ext>
+              </a:extLst>
+            </p:cNvPr>
+            <p:cNvPicPr>
+              <a:picLocks noChangeAspect="1"/>
+            </p:cNvPicPr>
+            <p:nvPr/>
+          </p:nvPicPr>
+          <p:blipFill>
+            <a:blip r:embed="rId2">
+              <a:extLst>
+                <a:ext uri="{28A0092B-C50C-407E-A947-70E740481C1C}">
+                  <a14:useLocalDpi xmlns:a14="http://schemas.microsoft.com/office/drawing/2010/main" val="0"/>
+                </a:ext>
+              </a:extLst>
+            </a:blip>
+            <a:stretch>
+              <a:fillRect/>
+            </a:stretch>
+          </p:blipFill>
+          <p:spPr>
+            <a:xfrm rot="2765753">
+              <a:off x="-718517" y="3319533"/>
+              <a:ext cx="1893329" cy="1893329"/>
+            </a:xfrm>
+            <a:prstGeom prst="rect">
+              <a:avLst/>
+            </a:prstGeom>
+          </p:spPr>
+        </p:pic>
+        <p:pic>
+          <p:nvPicPr>
+            <p:cNvPr id="25" name="Imagem 24">
+              <a:extLst>
+                <a:ext uri="{FF2B5EF4-FFF2-40B4-BE49-F238E27FC236}">
+                  <a16:creationId xmlns:a16="http://schemas.microsoft.com/office/drawing/2014/main" id="{79B8F79B-2577-42E9-B322-8026F439ACB5}"/>
+                </a:ext>
+              </a:extLst>
+            </p:cNvPr>
+            <p:cNvPicPr>
+              <a:picLocks noChangeAspect="1"/>
+            </p:cNvPicPr>
+            <p:nvPr/>
+          </p:nvPicPr>
+          <p:blipFill>
+            <a:blip r:embed="rId2">
+              <a:extLst>
+                <a:ext uri="{28A0092B-C50C-407E-A947-70E740481C1C}">
+                  <a14:useLocalDpi xmlns:a14="http://schemas.microsoft.com/office/drawing/2010/main" val="0"/>
+                </a:ext>
+              </a:extLst>
+            </a:blip>
+            <a:stretch>
+              <a:fillRect/>
+            </a:stretch>
+          </p:blipFill>
+          <p:spPr>
+            <a:xfrm rot="2765753">
+              <a:off x="2568569" y="5725350"/>
+              <a:ext cx="1893329" cy="1893329"/>
+            </a:xfrm>
+            <a:prstGeom prst="rect">
+              <a:avLst/>
+            </a:prstGeom>
+          </p:spPr>
+        </p:pic>
+        <p:pic>
+          <p:nvPicPr>
+            <p:cNvPr id="26" name="Imagem 25">
+              <a:extLst>
+                <a:ext uri="{FF2B5EF4-FFF2-40B4-BE49-F238E27FC236}">
+                  <a16:creationId xmlns:a16="http://schemas.microsoft.com/office/drawing/2014/main" id="{DB459D1A-1A8E-467C-933F-50D0AC713EBB}"/>
+                </a:ext>
+              </a:extLst>
+            </p:cNvPr>
+            <p:cNvPicPr>
+              <a:picLocks noChangeAspect="1"/>
+            </p:cNvPicPr>
+            <p:nvPr/>
+          </p:nvPicPr>
+          <p:blipFill>
+            <a:blip r:embed="rId2">
+              <a:extLst>
+                <a:ext uri="{28A0092B-C50C-407E-A947-70E740481C1C}">
+                  <a14:useLocalDpi xmlns:a14="http://schemas.microsoft.com/office/drawing/2010/main" val="0"/>
+                </a:ext>
+              </a:extLst>
+            </a:blip>
+            <a:stretch>
+              <a:fillRect/>
+            </a:stretch>
+          </p:blipFill>
+          <p:spPr>
+            <a:xfrm rot="2765753">
+              <a:off x="4971712" y="8140836"/>
+              <a:ext cx="1893329" cy="1893329"/>
+            </a:xfrm>
+            <a:prstGeom prst="rect">
+              <a:avLst/>
+            </a:prstGeom>
+          </p:spPr>
+        </p:pic>
+        <p:pic>
+          <p:nvPicPr>
+            <p:cNvPr id="27" name="Imagem 26">
+              <a:extLst>
+                <a:ext uri="{FF2B5EF4-FFF2-40B4-BE49-F238E27FC236}">
+                  <a16:creationId xmlns:a16="http://schemas.microsoft.com/office/drawing/2014/main" id="{27D3604A-54DE-4504-AC0C-518324E5AB9D}"/>
+                </a:ext>
+              </a:extLst>
+            </p:cNvPr>
+            <p:cNvPicPr>
+              <a:picLocks noChangeAspect="1"/>
+            </p:cNvPicPr>
+            <p:nvPr/>
+          </p:nvPicPr>
+          <p:blipFill>
+            <a:blip r:embed="rId2">
+              <a:extLst>
+                <a:ext uri="{28A0092B-C50C-407E-A947-70E740481C1C}">
+                  <a14:useLocalDpi xmlns:a14="http://schemas.microsoft.com/office/drawing/2010/main" val="0"/>
+                </a:ext>
+              </a:extLst>
+            </a:blip>
+            <a:stretch>
+              <a:fillRect/>
+            </a:stretch>
+          </p:blipFill>
+          <p:spPr>
+            <a:xfrm rot="2765753">
+              <a:off x="8932076" y="4847769"/>
+              <a:ext cx="1893329" cy="1893329"/>
+            </a:xfrm>
+            <a:prstGeom prst="rect">
+              <a:avLst/>
+            </a:prstGeom>
+          </p:spPr>
+        </p:pic>
+        <p:pic>
+          <p:nvPicPr>
+            <p:cNvPr id="28" name="Imagem 27">
+              <a:extLst>
+                <a:ext uri="{FF2B5EF4-FFF2-40B4-BE49-F238E27FC236}">
+                  <a16:creationId xmlns:a16="http://schemas.microsoft.com/office/drawing/2014/main" id="{0AEA6870-D700-462B-B04A-55C255C7CE23}"/>
+                </a:ext>
+              </a:extLst>
+            </p:cNvPr>
+            <p:cNvPicPr>
+              <a:picLocks noChangeAspect="1"/>
+            </p:cNvPicPr>
+            <p:nvPr/>
+          </p:nvPicPr>
+          <p:blipFill>
+            <a:blip r:embed="rId2">
+              <a:extLst>
+                <a:ext uri="{28A0092B-C50C-407E-A947-70E740481C1C}">
+                  <a14:useLocalDpi xmlns:a14="http://schemas.microsoft.com/office/drawing/2010/main" val="0"/>
+                </a:ext>
+              </a:extLst>
+            </a:blip>
+            <a:stretch>
+              <a:fillRect/>
+            </a:stretch>
+          </p:blipFill>
+          <p:spPr>
+            <a:xfrm rot="2765753">
+              <a:off x="3676632" y="2997686"/>
+              <a:ext cx="1893329" cy="1893329"/>
+            </a:xfrm>
+            <a:prstGeom prst="rect">
+              <a:avLst/>
+            </a:prstGeom>
+          </p:spPr>
+        </p:pic>
+        <p:pic>
+          <p:nvPicPr>
+            <p:cNvPr id="29" name="Imagem 28">
+              <a:extLst>
+                <a:ext uri="{FF2B5EF4-FFF2-40B4-BE49-F238E27FC236}">
+                  <a16:creationId xmlns:a16="http://schemas.microsoft.com/office/drawing/2014/main" id="{76D851BC-AF82-4499-835D-07122981A808}"/>
+                </a:ext>
+              </a:extLst>
+            </p:cNvPr>
+            <p:cNvPicPr>
+              <a:picLocks noChangeAspect="1"/>
+            </p:cNvPicPr>
+            <p:nvPr/>
+          </p:nvPicPr>
+          <p:blipFill>
+            <a:blip r:embed="rId2">
+              <a:extLst>
+                <a:ext uri="{28A0092B-C50C-407E-A947-70E740481C1C}">
+                  <a14:useLocalDpi xmlns:a14="http://schemas.microsoft.com/office/drawing/2010/main" val="0"/>
+                </a:ext>
+              </a:extLst>
+            </a:blip>
+            <a:stretch>
+              <a:fillRect/>
+            </a:stretch>
+          </p:blipFill>
+          <p:spPr>
+            <a:xfrm rot="2765753">
+              <a:off x="4014549" y="5571061"/>
+              <a:ext cx="1893329" cy="1893329"/>
+            </a:xfrm>
+            <a:prstGeom prst="rect">
+              <a:avLst/>
+            </a:prstGeom>
+          </p:spPr>
+        </p:pic>
+        <p:pic>
+          <p:nvPicPr>
+            <p:cNvPr id="30" name="Imagem 29">
+              <a:extLst>
+                <a:ext uri="{FF2B5EF4-FFF2-40B4-BE49-F238E27FC236}">
+                  <a16:creationId xmlns:a16="http://schemas.microsoft.com/office/drawing/2014/main" id="{DBE20BCA-B29C-4D09-ABC7-063D47AD6600}"/>
+                </a:ext>
+              </a:extLst>
+            </p:cNvPr>
+            <p:cNvPicPr>
+              <a:picLocks noChangeAspect="1"/>
+            </p:cNvPicPr>
+            <p:nvPr/>
+          </p:nvPicPr>
+          <p:blipFill>
+            <a:blip r:embed="rId2">
+              <a:extLst>
+                <a:ext uri="{28A0092B-C50C-407E-A947-70E740481C1C}">
+                  <a14:useLocalDpi xmlns:a14="http://schemas.microsoft.com/office/drawing/2010/main" val="0"/>
+                </a:ext>
+              </a:extLst>
+            </a:blip>
+            <a:stretch>
+              <a:fillRect/>
+            </a:stretch>
+          </p:blipFill>
+          <p:spPr>
+            <a:xfrm rot="20836879">
+              <a:off x="7206427" y="5275783"/>
+              <a:ext cx="1484013" cy="1484013"/>
+            </a:xfrm>
+            <a:prstGeom prst="rect">
+              <a:avLst/>
+            </a:prstGeom>
+          </p:spPr>
+        </p:pic>
+        <p:pic>
+          <p:nvPicPr>
+            <p:cNvPr id="32" name="Imagem 31">
+              <a:extLst>
+                <a:ext uri="{FF2B5EF4-FFF2-40B4-BE49-F238E27FC236}">
+                  <a16:creationId xmlns:a16="http://schemas.microsoft.com/office/drawing/2014/main" id="{496AAF2D-E36F-4C9F-8AD0-86CFE170F59D}"/>
+                </a:ext>
+              </a:extLst>
+            </p:cNvPr>
+            <p:cNvPicPr>
+              <a:picLocks noChangeAspect="1"/>
+            </p:cNvPicPr>
+            <p:nvPr/>
+          </p:nvPicPr>
+          <p:blipFill>
+            <a:blip r:embed="rId2">
+              <a:extLst>
+                <a:ext uri="{28A0092B-C50C-407E-A947-70E740481C1C}">
+                  <a14:useLocalDpi xmlns:a14="http://schemas.microsoft.com/office/drawing/2010/main" val="0"/>
+                </a:ext>
+              </a:extLst>
+            </a:blip>
+            <a:stretch>
+              <a:fillRect/>
+            </a:stretch>
+          </p:blipFill>
+          <p:spPr>
+            <a:xfrm rot="20836879">
+              <a:off x="10330915" y="8486334"/>
+              <a:ext cx="1484013" cy="1484013"/>
+            </a:xfrm>
+            <a:prstGeom prst="rect">
+              <a:avLst/>
+            </a:prstGeom>
+          </p:spPr>
+        </p:pic>
+        <p:pic>
+          <p:nvPicPr>
+            <p:cNvPr id="33" name="Imagem 32">
+              <a:extLst>
+                <a:ext uri="{FF2B5EF4-FFF2-40B4-BE49-F238E27FC236}">
+                  <a16:creationId xmlns:a16="http://schemas.microsoft.com/office/drawing/2014/main" id="{435411A2-39A7-4A02-8B9C-9268FFF1F61A}"/>
+                </a:ext>
+              </a:extLst>
+            </p:cNvPr>
+            <p:cNvPicPr>
+              <a:picLocks noChangeAspect="1"/>
+            </p:cNvPicPr>
+            <p:nvPr/>
+          </p:nvPicPr>
+          <p:blipFill>
+            <a:blip r:embed="rId2">
+              <a:extLst>
+                <a:ext uri="{28A0092B-C50C-407E-A947-70E740481C1C}">
+                  <a14:useLocalDpi xmlns:a14="http://schemas.microsoft.com/office/drawing/2010/main" val="0"/>
+                </a:ext>
+              </a:extLst>
+            </a:blip>
+            <a:stretch>
+              <a:fillRect/>
+            </a:stretch>
+          </p:blipFill>
+          <p:spPr>
+            <a:xfrm rot="20836879">
+              <a:off x="6937328" y="8172001"/>
+              <a:ext cx="1484013" cy="1484013"/>
+            </a:xfrm>
+            <a:prstGeom prst="rect">
+              <a:avLst/>
+            </a:prstGeom>
+          </p:spPr>
+        </p:pic>
+        <p:pic>
+          <p:nvPicPr>
+            <p:cNvPr id="34" name="Imagem 33">
+              <a:extLst>
+                <a:ext uri="{FF2B5EF4-FFF2-40B4-BE49-F238E27FC236}">
+                  <a16:creationId xmlns:a16="http://schemas.microsoft.com/office/drawing/2014/main" id="{5A64E6D3-E847-4182-A677-36421964632D}"/>
+                </a:ext>
+              </a:extLst>
+            </p:cNvPr>
+            <p:cNvPicPr>
+              <a:picLocks noChangeAspect="1"/>
+            </p:cNvPicPr>
+            <p:nvPr/>
+          </p:nvPicPr>
+          <p:blipFill>
+            <a:blip r:embed="rId2">
+              <a:extLst>
+                <a:ext uri="{28A0092B-C50C-407E-A947-70E740481C1C}">
+                  <a14:useLocalDpi xmlns:a14="http://schemas.microsoft.com/office/drawing/2010/main" val="0"/>
+                </a:ext>
+              </a:extLst>
+            </a:blip>
+            <a:stretch>
+              <a:fillRect/>
+            </a:stretch>
+          </p:blipFill>
+          <p:spPr>
+            <a:xfrm rot="20836879">
+              <a:off x="-337786" y="7114259"/>
+              <a:ext cx="1484013" cy="1484013"/>
+            </a:xfrm>
+            <a:prstGeom prst="rect">
+              <a:avLst/>
+            </a:prstGeom>
+          </p:spPr>
+        </p:pic>
+        <p:pic>
+          <p:nvPicPr>
+            <p:cNvPr id="35" name="Imagem 34">
+              <a:extLst>
+                <a:ext uri="{FF2B5EF4-FFF2-40B4-BE49-F238E27FC236}">
+                  <a16:creationId xmlns:a16="http://schemas.microsoft.com/office/drawing/2014/main" id="{F452FA92-14CA-426E-A7B6-301A4818A1D4}"/>
+                </a:ext>
+              </a:extLst>
+            </p:cNvPr>
+            <p:cNvPicPr>
+              <a:picLocks noChangeAspect="1"/>
+            </p:cNvPicPr>
+            <p:nvPr/>
+          </p:nvPicPr>
+          <p:blipFill>
+            <a:blip r:embed="rId2">
+              <a:extLst>
+                <a:ext uri="{28A0092B-C50C-407E-A947-70E740481C1C}">
+                  <a14:useLocalDpi xmlns:a14="http://schemas.microsoft.com/office/drawing/2010/main" val="0"/>
+                </a:ext>
+              </a:extLst>
+            </a:blip>
+            <a:stretch>
+              <a:fillRect/>
+            </a:stretch>
+          </p:blipFill>
+          <p:spPr>
+            <a:xfrm rot="20836879">
+              <a:off x="8246655" y="2848025"/>
+              <a:ext cx="1484013" cy="1484013"/>
+            </a:xfrm>
+            <a:prstGeom prst="rect">
+              <a:avLst/>
+            </a:prstGeom>
+          </p:spPr>
+        </p:pic>
+        <p:pic>
+          <p:nvPicPr>
+            <p:cNvPr id="36" name="Imagem 35">
+              <a:extLst>
+                <a:ext uri="{FF2B5EF4-FFF2-40B4-BE49-F238E27FC236}">
+                  <a16:creationId xmlns:a16="http://schemas.microsoft.com/office/drawing/2014/main" id="{DA2ED216-64E1-4941-BEAE-6C35947D6151}"/>
+                </a:ext>
+              </a:extLst>
+            </p:cNvPr>
+            <p:cNvPicPr>
+              <a:picLocks noChangeAspect="1"/>
+            </p:cNvPicPr>
+            <p:nvPr/>
+          </p:nvPicPr>
+          <p:blipFill>
+            <a:blip r:embed="rId2">
+              <a:extLst>
+                <a:ext uri="{28A0092B-C50C-407E-A947-70E740481C1C}">
+                  <a14:useLocalDpi xmlns:a14="http://schemas.microsoft.com/office/drawing/2010/main" val="0"/>
+                </a:ext>
+              </a:extLst>
+            </a:blip>
+            <a:stretch>
+              <a:fillRect/>
+            </a:stretch>
+          </p:blipFill>
+          <p:spPr>
+            <a:xfrm rot="20836879">
+              <a:off x="9866168" y="6826656"/>
+              <a:ext cx="1484013" cy="1484013"/>
+            </a:xfrm>
+            <a:prstGeom prst="rect">
+              <a:avLst/>
+            </a:prstGeom>
+          </p:spPr>
+        </p:pic>
+      </p:grpSp>
     </p:spTree>
     <p:extLst>
       <p:ext uri="{BB962C8B-B14F-4D97-AF65-F5344CB8AC3E}">
@@ -3447,6 +4830,14 @@
 <file path=ppt/slides/slide3.xml><?xml version="1.0" encoding="utf-8"?>
 <p:sld xmlns:a="http://schemas.openxmlformats.org/drawingml/2006/main" xmlns:r="http://schemas.openxmlformats.org/officeDocument/2006/relationships" xmlns:p="http://schemas.openxmlformats.org/presentationml/2006/main">
   <p:cSld>
+    <p:bg>
+      <p:bgPr>
+        <a:solidFill>
+          <a:srgbClr val="069E31"/>
+        </a:solidFill>
+        <a:effectLst/>
+      </p:bgPr>
+    </p:bg>
     <p:spTree>
       <p:nvGrpSpPr>
         <p:cNvPr id="1" name=""/>
@@ -3461,40 +4852,815 @@
           <a:chExt cx="0" cy="0"/>
         </a:xfrm>
       </p:grpSpPr>
-      <p:sp>
-        <p:nvSpPr>
-          <p:cNvPr id="2" name="Título 1">
-            <a:extLst>
-              <a:ext uri="{FF2B5EF4-FFF2-40B4-BE49-F238E27FC236}">
-                <a16:creationId xmlns:a16="http://schemas.microsoft.com/office/drawing/2014/main" id="{E76AD0B1-3FFC-43A5-B3FF-7757A1F782EE}"/>
-              </a:ext>
-            </a:extLst>
-          </p:cNvPr>
-          <p:cNvSpPr>
-            <a:spLocks noGrp="1"/>
-          </p:cNvSpPr>
-          <p:nvPr>
-            <p:ph type="ctrTitle"/>
-          </p:nvPr>
-        </p:nvSpPr>
-        <p:spPr/>
-        <p:txBody>
-          <a:bodyPr>
-            <a:normAutofit fontScale="90000"/>
+      <p:pic>
+        <p:nvPicPr>
+          <p:cNvPr id="60" name="Imagem 59">
+            <a:extLst>
+              <a:ext uri="{FF2B5EF4-FFF2-40B4-BE49-F238E27FC236}">
+                <a16:creationId xmlns:a16="http://schemas.microsoft.com/office/drawing/2014/main" id="{DAA0F54E-D3F2-4598-B3A9-7EB77C1B98EB}"/>
+              </a:ext>
+            </a:extLst>
+          </p:cNvPr>
+          <p:cNvPicPr>
+            <a:picLocks noChangeAspect="1"/>
+          </p:cNvPicPr>
+          <p:nvPr/>
+        </p:nvPicPr>
+        <p:blipFill>
+          <a:blip r:embed="rId2">
+            <a:duotone>
+              <a:schemeClr val="accent2">
+                <a:shade val="45000"/>
+                <a:satMod val="135000"/>
+              </a:schemeClr>
+              <a:prstClr val="white"/>
+            </a:duotone>
+            <a:extLst>
+              <a:ext uri="{28A0092B-C50C-407E-A947-70E740481C1C}">
+                <a14:useLocalDpi xmlns:a14="http://schemas.microsoft.com/office/drawing/2010/main" val="0"/>
+              </a:ext>
+            </a:extLst>
+          </a:blip>
+          <a:stretch>
+            <a:fillRect/>
+          </a:stretch>
+        </p:blipFill>
+        <p:spPr>
+          <a:xfrm>
+            <a:off x="1826142" y="1442995"/>
+            <a:ext cx="1625397" cy="1625397"/>
+          </a:xfrm>
+          <a:prstGeom prst="rect">
+            <a:avLst/>
+          </a:prstGeom>
+        </p:spPr>
+      </p:pic>
+      <p:pic>
+        <p:nvPicPr>
+          <p:cNvPr id="61" name="Imagem 60">
+            <a:extLst>
+              <a:ext uri="{FF2B5EF4-FFF2-40B4-BE49-F238E27FC236}">
+                <a16:creationId xmlns:a16="http://schemas.microsoft.com/office/drawing/2014/main" id="{A79229AC-86BE-4BD4-A01D-89F5DB220DED}"/>
+              </a:ext>
+            </a:extLst>
+          </p:cNvPr>
+          <p:cNvPicPr>
+            <a:picLocks noChangeAspect="1"/>
+          </p:cNvPicPr>
+          <p:nvPr/>
+        </p:nvPicPr>
+        <p:blipFill>
+          <a:blip r:embed="rId2">
+            <a:duotone>
+              <a:schemeClr val="accent6">
+                <a:shade val="45000"/>
+                <a:satMod val="135000"/>
+              </a:schemeClr>
+              <a:prstClr val="white"/>
+            </a:duotone>
+            <a:extLst>
+              <a:ext uri="{28A0092B-C50C-407E-A947-70E740481C1C}">
+                <a14:useLocalDpi xmlns:a14="http://schemas.microsoft.com/office/drawing/2010/main" val="0"/>
+              </a:ext>
+            </a:extLst>
+          </a:blip>
+          <a:stretch>
+            <a:fillRect/>
+          </a:stretch>
+        </p:blipFill>
+        <p:spPr>
+          <a:xfrm>
+            <a:off x="2844475" y="1437747"/>
+            <a:ext cx="1625397" cy="1625397"/>
+          </a:xfrm>
+          <a:prstGeom prst="rect">
+            <a:avLst/>
+          </a:prstGeom>
+        </p:spPr>
+      </p:pic>
+      <p:pic>
+        <p:nvPicPr>
+          <p:cNvPr id="62" name="Imagem 61">
+            <a:extLst>
+              <a:ext uri="{FF2B5EF4-FFF2-40B4-BE49-F238E27FC236}">
+                <a16:creationId xmlns:a16="http://schemas.microsoft.com/office/drawing/2014/main" id="{7FD0754D-2171-483D-A261-42C0A98E6C8B}"/>
+              </a:ext>
+            </a:extLst>
+          </p:cNvPr>
+          <p:cNvPicPr>
+            <a:picLocks noChangeAspect="1"/>
+          </p:cNvPicPr>
+          <p:nvPr/>
+        </p:nvPicPr>
+        <p:blipFill>
+          <a:blip r:embed="rId2">
+            <a:duotone>
+              <a:schemeClr val="accent4">
+                <a:shade val="45000"/>
+                <a:satMod val="135000"/>
+              </a:schemeClr>
+              <a:prstClr val="white"/>
+            </a:duotone>
+            <a:extLst>
+              <a:ext uri="{28A0092B-C50C-407E-A947-70E740481C1C}">
+                <a14:useLocalDpi xmlns:a14="http://schemas.microsoft.com/office/drawing/2010/main" val="0"/>
+              </a:ext>
+            </a:extLst>
+          </a:blip>
+          <a:stretch>
+            <a:fillRect/>
+          </a:stretch>
+        </p:blipFill>
+        <p:spPr>
+          <a:xfrm>
+            <a:off x="3847310" y="1448296"/>
+            <a:ext cx="1625397" cy="1625397"/>
+          </a:xfrm>
+          <a:prstGeom prst="rect">
+            <a:avLst/>
+          </a:prstGeom>
+          <a:effectLst>
+            <a:glow>
+              <a:schemeClr val="accent1"/>
+            </a:glow>
+          </a:effectLst>
+        </p:spPr>
+      </p:pic>
+      <p:pic>
+        <p:nvPicPr>
+          <p:cNvPr id="59" name="Imagem 58">
+            <a:extLst>
+              <a:ext uri="{FF2B5EF4-FFF2-40B4-BE49-F238E27FC236}">
+                <a16:creationId xmlns:a16="http://schemas.microsoft.com/office/drawing/2014/main" id="{12B4C403-7309-4822-A2EE-081E7D3E0556}"/>
+              </a:ext>
+            </a:extLst>
+          </p:cNvPr>
+          <p:cNvPicPr>
+            <a:picLocks noChangeAspect="1"/>
+          </p:cNvPicPr>
+          <p:nvPr/>
+        </p:nvPicPr>
+        <p:blipFill>
+          <a:blip r:embed="rId2">
+            <a:duotone>
+              <a:schemeClr val="accent5">
+                <a:shade val="45000"/>
+                <a:satMod val="135000"/>
+              </a:schemeClr>
+              <a:prstClr val="white"/>
+            </a:duotone>
+            <a:extLst>
+              <a:ext uri="{28A0092B-C50C-407E-A947-70E740481C1C}">
+                <a14:useLocalDpi xmlns:a14="http://schemas.microsoft.com/office/drawing/2010/main" val="0"/>
+              </a:ext>
+            </a:extLst>
+          </a:blip>
+          <a:stretch>
+            <a:fillRect/>
+          </a:stretch>
+        </p:blipFill>
+        <p:spPr>
+          <a:xfrm>
+            <a:off x="884508" y="1454637"/>
+            <a:ext cx="1625397" cy="1625397"/>
+          </a:xfrm>
+          <a:prstGeom prst="rect">
+            <a:avLst/>
+          </a:prstGeom>
+        </p:spPr>
+      </p:pic>
+      <p:pic>
+        <p:nvPicPr>
+          <p:cNvPr id="38" name="Imagem 37">
+            <a:extLst>
+              <a:ext uri="{FF2B5EF4-FFF2-40B4-BE49-F238E27FC236}">
+                <a16:creationId xmlns:a16="http://schemas.microsoft.com/office/drawing/2014/main" id="{DF1A3F2F-2334-4B12-B27C-68395F5F0149}"/>
+              </a:ext>
+            </a:extLst>
+          </p:cNvPr>
+          <p:cNvPicPr>
+            <a:picLocks noChangeAspect="1"/>
+          </p:cNvPicPr>
+          <p:nvPr/>
+        </p:nvPicPr>
+        <p:blipFill>
+          <a:blip r:embed="rId2">
+            <a:duotone>
+              <a:schemeClr val="accent4">
+                <a:shade val="45000"/>
+                <a:satMod val="135000"/>
+              </a:schemeClr>
+              <a:prstClr val="white"/>
+            </a:duotone>
+            <a:extLst>
+              <a:ext uri="{28A0092B-C50C-407E-A947-70E740481C1C}">
+                <a14:useLocalDpi xmlns:a14="http://schemas.microsoft.com/office/drawing/2010/main" val="0"/>
+              </a:ext>
+            </a:extLst>
+          </a:blip>
+          <a:stretch>
+            <a:fillRect/>
+          </a:stretch>
+        </p:blipFill>
+        <p:spPr>
+          <a:xfrm>
+            <a:off x="3169055" y="2111103"/>
+            <a:ext cx="1625397" cy="1625397"/>
+          </a:xfrm>
+          <a:prstGeom prst="rect">
+            <a:avLst/>
+          </a:prstGeom>
+          <a:effectLst>
+            <a:glow>
+              <a:schemeClr val="accent1"/>
+            </a:glow>
+          </a:effectLst>
+        </p:spPr>
+      </p:pic>
+      <p:pic>
+        <p:nvPicPr>
+          <p:cNvPr id="39" name="Imagem 38">
+            <a:extLst>
+              <a:ext uri="{FF2B5EF4-FFF2-40B4-BE49-F238E27FC236}">
+                <a16:creationId xmlns:a16="http://schemas.microsoft.com/office/drawing/2014/main" id="{4C5484B0-4110-4EB4-9C7C-598CE5EF46F3}"/>
+              </a:ext>
+            </a:extLst>
+          </p:cNvPr>
+          <p:cNvPicPr>
+            <a:picLocks noChangeAspect="1"/>
+          </p:cNvPicPr>
+          <p:nvPr/>
+        </p:nvPicPr>
+        <p:blipFill>
+          <a:blip r:embed="rId2">
+            <a:duotone>
+              <a:schemeClr val="accent6">
+                <a:shade val="45000"/>
+                <a:satMod val="135000"/>
+              </a:schemeClr>
+              <a:prstClr val="white"/>
+            </a:duotone>
+            <a:extLst>
+              <a:ext uri="{28A0092B-C50C-407E-A947-70E740481C1C}">
+                <a14:useLocalDpi xmlns:a14="http://schemas.microsoft.com/office/drawing/2010/main" val="0"/>
+              </a:ext>
+            </a:extLst>
+          </a:blip>
+          <a:stretch>
+            <a:fillRect/>
+          </a:stretch>
+        </p:blipFill>
+        <p:spPr>
+          <a:xfrm>
+            <a:off x="4163163" y="2113525"/>
+            <a:ext cx="1625397" cy="1625397"/>
+          </a:xfrm>
+          <a:prstGeom prst="rect">
+            <a:avLst/>
+          </a:prstGeom>
+        </p:spPr>
+      </p:pic>
+      <p:pic>
+        <p:nvPicPr>
+          <p:cNvPr id="32" name="Imagem 31">
+            <a:extLst>
+              <a:ext uri="{FF2B5EF4-FFF2-40B4-BE49-F238E27FC236}">
+                <a16:creationId xmlns:a16="http://schemas.microsoft.com/office/drawing/2014/main" id="{46858B1D-ACCF-47F0-9510-8E697A97E137}"/>
+              </a:ext>
+            </a:extLst>
+          </p:cNvPr>
+          <p:cNvPicPr>
+            <a:picLocks noChangeAspect="1"/>
+          </p:cNvPicPr>
+          <p:nvPr/>
+        </p:nvPicPr>
+        <p:blipFill>
+          <a:blip r:embed="rId2">
+            <a:duotone>
+              <a:schemeClr val="accent5">
+                <a:shade val="45000"/>
+                <a:satMod val="135000"/>
+              </a:schemeClr>
+              <a:prstClr val="white"/>
+            </a:duotone>
+            <a:extLst>
+              <a:ext uri="{28A0092B-C50C-407E-A947-70E740481C1C}">
+                <a14:useLocalDpi xmlns:a14="http://schemas.microsoft.com/office/drawing/2010/main" val="0"/>
+              </a:ext>
+            </a:extLst>
+          </a:blip>
+          <a:stretch>
+            <a:fillRect/>
+          </a:stretch>
+        </p:blipFill>
+        <p:spPr>
+          <a:xfrm>
+            <a:off x="2236569" y="2110419"/>
+            <a:ext cx="1625397" cy="1625397"/>
+          </a:xfrm>
+          <a:prstGeom prst="rect">
+            <a:avLst/>
+          </a:prstGeom>
+        </p:spPr>
+      </p:pic>
+      <p:pic>
+        <p:nvPicPr>
+          <p:cNvPr id="33" name="Imagem 32">
+            <a:extLst>
+              <a:ext uri="{FF2B5EF4-FFF2-40B4-BE49-F238E27FC236}">
+                <a16:creationId xmlns:a16="http://schemas.microsoft.com/office/drawing/2014/main" id="{D2A845BF-FB2C-4A62-B209-9E1C0A77F999}"/>
+              </a:ext>
+            </a:extLst>
+          </p:cNvPr>
+          <p:cNvPicPr>
+            <a:picLocks noChangeAspect="1"/>
+          </p:cNvPicPr>
+          <p:nvPr/>
+        </p:nvPicPr>
+        <p:blipFill>
+          <a:blip r:embed="rId2">
+            <a:duotone>
+              <a:schemeClr val="accent6">
+                <a:shade val="45000"/>
+                <a:satMod val="135000"/>
+              </a:schemeClr>
+              <a:prstClr val="white"/>
+            </a:duotone>
+            <a:extLst>
+              <a:ext uri="{28A0092B-C50C-407E-A947-70E740481C1C}">
+                <a14:useLocalDpi xmlns:a14="http://schemas.microsoft.com/office/drawing/2010/main" val="0"/>
+              </a:ext>
+            </a:extLst>
+          </a:blip>
+          <a:stretch>
+            <a:fillRect/>
+          </a:stretch>
+        </p:blipFill>
+        <p:spPr>
+          <a:xfrm>
+            <a:off x="1293379" y="2098777"/>
+            <a:ext cx="1625397" cy="1625397"/>
+          </a:xfrm>
+          <a:prstGeom prst="rect">
+            <a:avLst/>
+          </a:prstGeom>
+        </p:spPr>
+      </p:pic>
+      <p:sp>
+        <p:nvSpPr>
+          <p:cNvPr id="6" name="CaixaDeTexto 5">
+            <a:extLst>
+              <a:ext uri="{FF2B5EF4-FFF2-40B4-BE49-F238E27FC236}">
+                <a16:creationId xmlns:a16="http://schemas.microsoft.com/office/drawing/2014/main" id="{9B1CEF59-60BD-4562-A2C4-BB4071654EFA}"/>
+              </a:ext>
+            </a:extLst>
+          </p:cNvPr>
+          <p:cNvSpPr txBox="1"/>
+          <p:nvPr/>
+        </p:nvSpPr>
+        <p:spPr>
+          <a:xfrm>
+            <a:off x="427704" y="124754"/>
+            <a:ext cx="10043651" cy="923330"/>
+          </a:xfrm>
+          <a:prstGeom prst="rect">
+            <a:avLst/>
+          </a:prstGeom>
+          <a:noFill/>
+        </p:spPr>
+        <p:txBody>
+          <a:bodyPr wrap="square" rtlCol="0">
+            <a:spAutoFit/>
           </a:bodyPr>
           <a:lstStyle/>
           <a:p>
-            <a:r>
-              <a:rPr lang="pt-BR" dirty="0"/>
-              <a:t>APRESENTAR CONCEITO DO PROJETO</a:t>
-            </a:r>
-            <a:br>
-              <a:rPr lang="pt-BR" dirty="0"/>
-            </a:br>
-            <a:endParaRPr lang="pt-BR" dirty="0"/>
-          </a:p>
-        </p:txBody>
-      </p:sp>
+            <a:pPr algn="ctr"/>
+            <a:r>
+              <a:rPr lang="pt-BR" sz="5400" dirty="0">
+                <a:solidFill>
+                  <a:schemeClr val="bg1">
+                    <a:lumMod val="95000"/>
+                  </a:schemeClr>
+                </a:solidFill>
+                <a:latin typeface="Berlin Sans FB" panose="020E0602020502020306" pitchFamily="34" charset="0"/>
+              </a:rPr>
+              <a:t>Projeto sem fins Lucrativos</a:t>
+            </a:r>
+          </a:p>
+        </p:txBody>
+      </p:sp>
+      <p:sp>
+        <p:nvSpPr>
+          <p:cNvPr id="7" name="CaixaDeTexto 6">
+            <a:extLst>
+              <a:ext uri="{FF2B5EF4-FFF2-40B4-BE49-F238E27FC236}">
+                <a16:creationId xmlns:a16="http://schemas.microsoft.com/office/drawing/2014/main" id="{F289A599-07B1-461F-A1DA-1EE50313AE8F}"/>
+              </a:ext>
+            </a:extLst>
+          </p:cNvPr>
+          <p:cNvSpPr txBox="1"/>
+          <p:nvPr/>
+        </p:nvSpPr>
+        <p:spPr>
+          <a:xfrm>
+            <a:off x="6528367" y="1815451"/>
+            <a:ext cx="5663633" cy="2954655"/>
+          </a:xfrm>
+          <a:prstGeom prst="rect">
+            <a:avLst/>
+          </a:prstGeom>
+          <a:noFill/>
+        </p:spPr>
+        <p:txBody>
+          <a:bodyPr wrap="square" rtlCol="0">
+            <a:spAutoFit/>
+          </a:bodyPr>
+          <a:lstStyle/>
+          <a:p>
+            <a:pPr algn="ctr"/>
+            <a:r>
+              <a:rPr lang="pt-BR" sz="6000" dirty="0">
+                <a:solidFill>
+                  <a:schemeClr val="bg1">
+                    <a:lumMod val="95000"/>
+                  </a:schemeClr>
+                </a:solidFill>
+                <a:latin typeface="Berlin Sans FB" panose="020E0602020502020306" pitchFamily="34" charset="0"/>
+              </a:rPr>
+              <a:t>Com Foco em Ações Sociais</a:t>
+            </a:r>
+          </a:p>
+          <a:p>
+            <a:endParaRPr lang="pt-BR" sz="6600" dirty="0">
+              <a:solidFill>
+                <a:schemeClr val="bg1">
+                  <a:lumMod val="95000"/>
+                </a:schemeClr>
+              </a:solidFill>
+              <a:latin typeface="Berlin Sans FB" panose="020E0602020502020306" pitchFamily="34" charset="0"/>
+            </a:endParaRPr>
+          </a:p>
+        </p:txBody>
+      </p:sp>
+      <p:pic>
+        <p:nvPicPr>
+          <p:cNvPr id="9" name="Imagem 8">
+            <a:extLst>
+              <a:ext uri="{FF2B5EF4-FFF2-40B4-BE49-F238E27FC236}">
+                <a16:creationId xmlns:a16="http://schemas.microsoft.com/office/drawing/2014/main" id="{D5110899-5B80-4EEC-BF8B-6FBAC2986B81}"/>
+              </a:ext>
+            </a:extLst>
+          </p:cNvPr>
+          <p:cNvPicPr>
+            <a:picLocks noChangeAspect="1"/>
+          </p:cNvPicPr>
+          <p:nvPr/>
+        </p:nvPicPr>
+        <p:blipFill>
+          <a:blip r:embed="rId2">
+            <a:duotone>
+              <a:schemeClr val="accent5">
+                <a:shade val="45000"/>
+                <a:satMod val="135000"/>
+              </a:schemeClr>
+              <a:prstClr val="white"/>
+            </a:duotone>
+            <a:extLst>
+              <a:ext uri="{28A0092B-C50C-407E-A947-70E740481C1C}">
+                <a14:useLocalDpi xmlns:a14="http://schemas.microsoft.com/office/drawing/2010/main" val="0"/>
+              </a:ext>
+            </a:extLst>
+          </a:blip>
+          <a:stretch>
+            <a:fillRect/>
+          </a:stretch>
+        </p:blipFill>
+        <p:spPr>
+          <a:xfrm>
+            <a:off x="1752310" y="2927552"/>
+            <a:ext cx="1625397" cy="1625397"/>
+          </a:xfrm>
+          <a:prstGeom prst="rect">
+            <a:avLst/>
+          </a:prstGeom>
+        </p:spPr>
+      </p:pic>
+      <p:pic>
+        <p:nvPicPr>
+          <p:cNvPr id="55" name="Imagem 54">
+            <a:extLst>
+              <a:ext uri="{FF2B5EF4-FFF2-40B4-BE49-F238E27FC236}">
+                <a16:creationId xmlns:a16="http://schemas.microsoft.com/office/drawing/2014/main" id="{95309E5E-0EEF-4671-B394-3E340C7B8E8E}"/>
+              </a:ext>
+            </a:extLst>
+          </p:cNvPr>
+          <p:cNvPicPr>
+            <a:picLocks noChangeAspect="1"/>
+          </p:cNvPicPr>
+          <p:nvPr/>
+        </p:nvPicPr>
+        <p:blipFill>
+          <a:blip r:embed="rId2">
+            <a:duotone>
+              <a:schemeClr val="accent4">
+                <a:shade val="45000"/>
+                <a:satMod val="135000"/>
+              </a:schemeClr>
+              <a:prstClr val="white"/>
+            </a:duotone>
+            <a:extLst>
+              <a:ext uri="{28A0092B-C50C-407E-A947-70E740481C1C}">
+                <a14:useLocalDpi xmlns:a14="http://schemas.microsoft.com/office/drawing/2010/main" val="0"/>
+              </a:ext>
+            </a:extLst>
+          </a:blip>
+          <a:stretch>
+            <a:fillRect/>
+          </a:stretch>
+        </p:blipFill>
+        <p:spPr>
+          <a:xfrm>
+            <a:off x="5435602" y="2923481"/>
+            <a:ext cx="1625397" cy="1625397"/>
+          </a:xfrm>
+          <a:prstGeom prst="rect">
+            <a:avLst/>
+          </a:prstGeom>
+          <a:effectLst>
+            <a:glow>
+              <a:schemeClr val="accent1"/>
+            </a:glow>
+          </a:effectLst>
+        </p:spPr>
+      </p:pic>
+      <p:pic>
+        <p:nvPicPr>
+          <p:cNvPr id="10" name="Imagem 9">
+            <a:extLst>
+              <a:ext uri="{FF2B5EF4-FFF2-40B4-BE49-F238E27FC236}">
+                <a16:creationId xmlns:a16="http://schemas.microsoft.com/office/drawing/2014/main" id="{E093921A-D02C-48FA-9BA7-7A357B0F6E87}"/>
+              </a:ext>
+            </a:extLst>
+          </p:cNvPr>
+          <p:cNvPicPr>
+            <a:picLocks noChangeAspect="1"/>
+          </p:cNvPicPr>
+          <p:nvPr/>
+        </p:nvPicPr>
+        <p:blipFill>
+          <a:blip r:embed="rId2">
+            <a:duotone>
+              <a:schemeClr val="accent4">
+                <a:shade val="45000"/>
+                <a:satMod val="135000"/>
+              </a:schemeClr>
+              <a:prstClr val="white"/>
+            </a:duotone>
+            <a:extLst>
+              <a:ext uri="{28A0092B-C50C-407E-A947-70E740481C1C}">
+                <a14:useLocalDpi xmlns:a14="http://schemas.microsoft.com/office/drawing/2010/main" val="0"/>
+              </a:ext>
+            </a:extLst>
+          </a:blip>
+          <a:stretch>
+            <a:fillRect/>
+          </a:stretch>
+        </p:blipFill>
+        <p:spPr>
+          <a:xfrm>
+            <a:off x="2703127" y="2929974"/>
+            <a:ext cx="1625397" cy="1625397"/>
+          </a:xfrm>
+          <a:prstGeom prst="rect">
+            <a:avLst/>
+          </a:prstGeom>
+          <a:effectLst>
+            <a:glow>
+              <a:schemeClr val="accent1"/>
+            </a:glow>
+          </a:effectLst>
+        </p:spPr>
+      </p:pic>
+      <p:pic>
+        <p:nvPicPr>
+          <p:cNvPr id="56" name="Imagem 55">
+            <a:extLst>
+              <a:ext uri="{FF2B5EF4-FFF2-40B4-BE49-F238E27FC236}">
+                <a16:creationId xmlns:a16="http://schemas.microsoft.com/office/drawing/2014/main" id="{AACDD5CA-28DF-475B-AE8C-4466C66799B0}"/>
+              </a:ext>
+            </a:extLst>
+          </p:cNvPr>
+          <p:cNvPicPr>
+            <a:picLocks noChangeAspect="1"/>
+          </p:cNvPicPr>
+          <p:nvPr/>
+        </p:nvPicPr>
+        <p:blipFill>
+          <a:blip r:embed="rId2">
+            <a:duotone>
+              <a:schemeClr val="accent2">
+                <a:shade val="45000"/>
+                <a:satMod val="135000"/>
+              </a:schemeClr>
+              <a:prstClr val="white"/>
+            </a:duotone>
+            <a:extLst>
+              <a:ext uri="{28A0092B-C50C-407E-A947-70E740481C1C}">
+                <a14:useLocalDpi xmlns:a14="http://schemas.microsoft.com/office/drawing/2010/main" val="0"/>
+              </a:ext>
+            </a:extLst>
+          </a:blip>
+          <a:stretch>
+            <a:fillRect/>
+          </a:stretch>
+        </p:blipFill>
+        <p:spPr>
+          <a:xfrm>
+            <a:off x="3627678" y="2927552"/>
+            <a:ext cx="1625397" cy="1625397"/>
+          </a:xfrm>
+          <a:prstGeom prst="rect">
+            <a:avLst/>
+          </a:prstGeom>
+        </p:spPr>
+      </p:pic>
+      <p:pic>
+        <p:nvPicPr>
+          <p:cNvPr id="57" name="Imagem 56">
+            <a:extLst>
+              <a:ext uri="{FF2B5EF4-FFF2-40B4-BE49-F238E27FC236}">
+                <a16:creationId xmlns:a16="http://schemas.microsoft.com/office/drawing/2014/main" id="{3A9B4736-5D24-4A80-A567-C069DC50B208}"/>
+              </a:ext>
+            </a:extLst>
+          </p:cNvPr>
+          <p:cNvPicPr>
+            <a:picLocks noChangeAspect="1"/>
+          </p:cNvPicPr>
+          <p:nvPr/>
+        </p:nvPicPr>
+        <p:blipFill>
+          <a:blip r:embed="rId2">
+            <a:duotone>
+              <a:schemeClr val="accent2">
+                <a:shade val="45000"/>
+                <a:satMod val="135000"/>
+              </a:schemeClr>
+              <a:prstClr val="white"/>
+            </a:duotone>
+            <a:extLst>
+              <a:ext uri="{28A0092B-C50C-407E-A947-70E740481C1C}">
+                <a14:useLocalDpi xmlns:a14="http://schemas.microsoft.com/office/drawing/2010/main" val="0"/>
+              </a:ext>
+            </a:extLst>
+          </a:blip>
+          <a:stretch>
+            <a:fillRect/>
+          </a:stretch>
+        </p:blipFill>
+        <p:spPr>
+          <a:xfrm>
+            <a:off x="354294" y="2098777"/>
+            <a:ext cx="1625397" cy="1625397"/>
+          </a:xfrm>
+          <a:prstGeom prst="rect">
+            <a:avLst/>
+          </a:prstGeom>
+        </p:spPr>
+      </p:pic>
+      <p:pic>
+        <p:nvPicPr>
+          <p:cNvPr id="58" name="Imagem 57">
+            <a:extLst>
+              <a:ext uri="{FF2B5EF4-FFF2-40B4-BE49-F238E27FC236}">
+                <a16:creationId xmlns:a16="http://schemas.microsoft.com/office/drawing/2014/main" id="{241128B8-9768-4377-9767-9B5FF962917A}"/>
+              </a:ext>
+            </a:extLst>
+          </p:cNvPr>
+          <p:cNvPicPr>
+            <a:picLocks noChangeAspect="1"/>
+          </p:cNvPicPr>
+          <p:nvPr/>
+        </p:nvPicPr>
+        <p:blipFill>
+          <a:blip r:embed="rId2">
+            <a:duotone>
+              <a:schemeClr val="accent4">
+                <a:shade val="45000"/>
+                <a:satMod val="135000"/>
+              </a:schemeClr>
+              <a:prstClr val="white"/>
+            </a:duotone>
+            <a:extLst>
+              <a:ext uri="{28A0092B-C50C-407E-A947-70E740481C1C}">
+                <a14:useLocalDpi xmlns:a14="http://schemas.microsoft.com/office/drawing/2010/main" val="0"/>
+              </a:ext>
+            </a:extLst>
+          </a:blip>
+          <a:stretch>
+            <a:fillRect/>
+          </a:stretch>
+        </p:blipFill>
+        <p:spPr>
+          <a:xfrm>
+            <a:off x="-106717" y="2938229"/>
+            <a:ext cx="1625397" cy="1625397"/>
+          </a:xfrm>
+          <a:prstGeom prst="rect">
+            <a:avLst/>
+          </a:prstGeom>
+          <a:effectLst>
+            <a:glow>
+              <a:schemeClr val="accent1"/>
+            </a:glow>
+          </a:effectLst>
+        </p:spPr>
+      </p:pic>
+      <p:pic>
+        <p:nvPicPr>
+          <p:cNvPr id="12" name="Imagem 11">
+            <a:extLst>
+              <a:ext uri="{FF2B5EF4-FFF2-40B4-BE49-F238E27FC236}">
+                <a16:creationId xmlns:a16="http://schemas.microsoft.com/office/drawing/2014/main" id="{4F691F80-2D4A-4529-B1DB-07D70F13991B}"/>
+              </a:ext>
+            </a:extLst>
+          </p:cNvPr>
+          <p:cNvPicPr>
+            <a:picLocks noChangeAspect="1"/>
+          </p:cNvPicPr>
+          <p:nvPr/>
+        </p:nvPicPr>
+        <p:blipFill>
+          <a:blip r:embed="rId2">
+            <a:duotone>
+              <a:schemeClr val="accent6">
+                <a:shade val="45000"/>
+                <a:satMod val="135000"/>
+              </a:schemeClr>
+              <a:prstClr val="white"/>
+            </a:duotone>
+            <a:extLst>
+              <a:ext uri="{28A0092B-C50C-407E-A947-70E740481C1C}">
+                <a14:useLocalDpi xmlns:a14="http://schemas.microsoft.com/office/drawing/2010/main" val="0"/>
+              </a:ext>
+            </a:extLst>
+          </a:blip>
+          <a:stretch>
+            <a:fillRect/>
+          </a:stretch>
+        </p:blipFill>
+        <p:spPr>
+          <a:xfrm>
+            <a:off x="828382" y="2927551"/>
+            <a:ext cx="1625397" cy="1625397"/>
+          </a:xfrm>
+          <a:prstGeom prst="rect">
+            <a:avLst/>
+          </a:prstGeom>
+        </p:spPr>
+      </p:pic>
+      <p:pic>
+        <p:nvPicPr>
+          <p:cNvPr id="48" name="Imagem 47">
+            <a:extLst>
+              <a:ext uri="{FF2B5EF4-FFF2-40B4-BE49-F238E27FC236}">
+                <a16:creationId xmlns:a16="http://schemas.microsoft.com/office/drawing/2014/main" id="{11199C45-0EF3-4856-9CAD-AA07AA92EE46}"/>
+              </a:ext>
+            </a:extLst>
+          </p:cNvPr>
+          <p:cNvPicPr>
+            <a:picLocks noChangeAspect="1"/>
+          </p:cNvPicPr>
+          <p:nvPr/>
+        </p:nvPicPr>
+        <p:blipFill>
+          <a:blip r:embed="rId2">
+            <a:duotone>
+              <a:schemeClr val="accent5">
+                <a:shade val="45000"/>
+                <a:satMod val="135000"/>
+              </a:schemeClr>
+              <a:prstClr val="white"/>
+            </a:duotone>
+            <a:extLst>
+              <a:ext uri="{28A0092B-C50C-407E-A947-70E740481C1C}">
+                <a14:useLocalDpi xmlns:a14="http://schemas.microsoft.com/office/drawing/2010/main" val="0"/>
+              </a:ext>
+            </a:extLst>
+          </a:blip>
+          <a:stretch>
+            <a:fillRect/>
+          </a:stretch>
+        </p:blipFill>
+        <p:spPr>
+          <a:xfrm>
+            <a:off x="4561094" y="2925108"/>
+            <a:ext cx="1625397" cy="1625397"/>
+          </a:xfrm>
+          <a:prstGeom prst="rect">
+            <a:avLst/>
+          </a:prstGeom>
+        </p:spPr>
+      </p:pic>
     </p:spTree>
     <p:extLst>
       <p:ext uri="{BB962C8B-B14F-4D97-AF65-F5344CB8AC3E}">
@@ -3511,6 +5677,14 @@
 <file path=ppt/slides/slide4.xml><?xml version="1.0" encoding="utf-8"?>
 <p:sld xmlns:a="http://schemas.openxmlformats.org/drawingml/2006/main" xmlns:r="http://schemas.openxmlformats.org/officeDocument/2006/relationships" xmlns:p="http://schemas.openxmlformats.org/presentationml/2006/main">
   <p:cSld>
+    <p:bg>
+      <p:bgPr>
+        <a:solidFill>
+          <a:srgbClr val="069E31"/>
+        </a:solidFill>
+        <a:effectLst/>
+      </p:bgPr>
+    </p:bg>
     <p:spTree>
       <p:nvGrpSpPr>
         <p:cNvPr id="1" name=""/>
@@ -3527,35 +5701,307 @@
       </p:grpSpPr>
       <p:sp>
         <p:nvSpPr>
-          <p:cNvPr id="2" name="Título 1">
-            <a:extLst>
-              <a:ext uri="{FF2B5EF4-FFF2-40B4-BE49-F238E27FC236}">
-                <a16:creationId xmlns:a16="http://schemas.microsoft.com/office/drawing/2014/main" id="{E76AD0B1-3FFC-43A5-B3FF-7757A1F782EE}"/>
-              </a:ext>
-            </a:extLst>
-          </p:cNvPr>
-          <p:cNvSpPr>
-            <a:spLocks noGrp="1"/>
-          </p:cNvSpPr>
-          <p:nvPr>
-            <p:ph type="ctrTitle"/>
-          </p:nvPr>
-        </p:nvSpPr>
-        <p:spPr/>
-        <p:txBody>
-          <a:bodyPr>
-            <a:normAutofit fontScale="90000"/>
+          <p:cNvPr id="7" name="Elipse 6">
+            <a:extLst>
+              <a:ext uri="{FF2B5EF4-FFF2-40B4-BE49-F238E27FC236}">
+                <a16:creationId xmlns:a16="http://schemas.microsoft.com/office/drawing/2014/main" id="{58A7DF2E-6175-4F4C-ADFC-15088640AC75}"/>
+              </a:ext>
+            </a:extLst>
+          </p:cNvPr>
+          <p:cNvSpPr/>
+          <p:nvPr/>
+        </p:nvSpPr>
+        <p:spPr>
+          <a:xfrm>
+            <a:off x="3447099" y="1206301"/>
+            <a:ext cx="6050153" cy="4445391"/>
+          </a:xfrm>
+          <a:prstGeom prst="ellipse">
+            <a:avLst/>
+          </a:prstGeom>
+          <a:noFill/>
+          <a:ln w="149225">
+            <a:solidFill>
+              <a:srgbClr val="99F799"/>
+            </a:solidFill>
+          </a:ln>
+        </p:spPr>
+        <p:style>
+          <a:lnRef idx="2">
+            <a:schemeClr val="accent1">
+              <a:shade val="50000"/>
+            </a:schemeClr>
+          </a:lnRef>
+          <a:fillRef idx="1">
+            <a:schemeClr val="accent1"/>
+          </a:fillRef>
+          <a:effectRef idx="0">
+            <a:schemeClr val="accent1"/>
+          </a:effectRef>
+          <a:fontRef idx="minor">
+            <a:schemeClr val="lt1"/>
+          </a:fontRef>
+        </p:style>
+        <p:txBody>
+          <a:bodyPr rtlCol="0" anchor="ctr"/>
+          <a:lstStyle/>
+          <a:p>
+            <a:pPr algn="ctr"/>
+            <a:endParaRPr lang="pt-BR" dirty="0"/>
+          </a:p>
+        </p:txBody>
+      </p:sp>
+      <p:sp>
+        <p:nvSpPr>
+          <p:cNvPr id="10" name="Elipse 9">
+            <a:extLst>
+              <a:ext uri="{FF2B5EF4-FFF2-40B4-BE49-F238E27FC236}">
+                <a16:creationId xmlns:a16="http://schemas.microsoft.com/office/drawing/2014/main" id="{53B3BFBB-78E2-47F4-815E-880B2D2CF201}"/>
+              </a:ext>
+            </a:extLst>
+          </p:cNvPr>
+          <p:cNvSpPr/>
+          <p:nvPr/>
+        </p:nvSpPr>
+        <p:spPr>
+          <a:xfrm>
+            <a:off x="8219579" y="2464492"/>
+            <a:ext cx="2794821" cy="1728497"/>
+          </a:xfrm>
+          <a:prstGeom prst="ellipse">
+            <a:avLst/>
+          </a:prstGeom>
+          <a:solidFill>
+            <a:srgbClr val="00F217"/>
+          </a:solidFill>
+          <a:ln>
+            <a:noFill/>
+          </a:ln>
+        </p:spPr>
+        <p:style>
+          <a:lnRef idx="2">
+            <a:schemeClr val="accent1">
+              <a:shade val="50000"/>
+            </a:schemeClr>
+          </a:lnRef>
+          <a:fillRef idx="1">
+            <a:schemeClr val="accent1"/>
+          </a:fillRef>
+          <a:effectRef idx="0">
+            <a:schemeClr val="accent1"/>
+          </a:effectRef>
+          <a:fontRef idx="minor">
+            <a:schemeClr val="lt1"/>
+          </a:fontRef>
+        </p:style>
+        <p:txBody>
+          <a:bodyPr rtlCol="0" anchor="ctr"/>
+          <a:lstStyle/>
+          <a:p>
+            <a:pPr algn="ctr"/>
+            <a:endParaRPr lang="pt-BR" dirty="0"/>
+          </a:p>
+        </p:txBody>
+      </p:sp>
+      <p:sp>
+        <p:nvSpPr>
+          <p:cNvPr id="11" name="Elipse 10">
+            <a:extLst>
+              <a:ext uri="{FF2B5EF4-FFF2-40B4-BE49-F238E27FC236}">
+                <a16:creationId xmlns:a16="http://schemas.microsoft.com/office/drawing/2014/main" id="{12BBAFA8-23F3-4401-A46D-D4546608CEAE}"/>
+              </a:ext>
+            </a:extLst>
+          </p:cNvPr>
+          <p:cNvSpPr/>
+          <p:nvPr/>
+        </p:nvSpPr>
+        <p:spPr>
+          <a:xfrm>
+            <a:off x="2049688" y="2564747"/>
+            <a:ext cx="2794821" cy="1728497"/>
+          </a:xfrm>
+          <a:prstGeom prst="ellipse">
+            <a:avLst/>
+          </a:prstGeom>
+          <a:solidFill>
+            <a:srgbClr val="00F217"/>
+          </a:solidFill>
+          <a:ln>
+            <a:noFill/>
+          </a:ln>
+        </p:spPr>
+        <p:style>
+          <a:lnRef idx="2">
+            <a:schemeClr val="accent1">
+              <a:shade val="50000"/>
+            </a:schemeClr>
+          </a:lnRef>
+          <a:fillRef idx="1">
+            <a:schemeClr val="accent1"/>
+          </a:fillRef>
+          <a:effectRef idx="0">
+            <a:schemeClr val="accent1"/>
+          </a:effectRef>
+          <a:fontRef idx="minor">
+            <a:schemeClr val="lt1"/>
+          </a:fontRef>
+        </p:style>
+        <p:txBody>
+          <a:bodyPr rtlCol="0" anchor="ctr"/>
+          <a:lstStyle/>
+          <a:p>
+            <a:pPr algn="ctr"/>
+            <a:endParaRPr lang="pt-BR" dirty="0"/>
+          </a:p>
+        </p:txBody>
+      </p:sp>
+      <p:sp>
+        <p:nvSpPr>
+          <p:cNvPr id="4" name="CaixaDeTexto 3">
+            <a:extLst>
+              <a:ext uri="{FF2B5EF4-FFF2-40B4-BE49-F238E27FC236}">
+                <a16:creationId xmlns:a16="http://schemas.microsoft.com/office/drawing/2014/main" id="{169B60EE-1E93-4DDC-A4CB-4CAA84D8EB7C}"/>
+              </a:ext>
+            </a:extLst>
+          </p:cNvPr>
+          <p:cNvSpPr txBox="1"/>
+          <p:nvPr/>
+        </p:nvSpPr>
+        <p:spPr>
+          <a:xfrm>
+            <a:off x="8468751" y="2961191"/>
+            <a:ext cx="2425912" cy="584775"/>
+          </a:xfrm>
+          <a:prstGeom prst="rect">
+            <a:avLst/>
+          </a:prstGeom>
+          <a:noFill/>
+        </p:spPr>
+        <p:txBody>
+          <a:bodyPr wrap="square" rtlCol="0">
+            <a:spAutoFit/>
           </a:bodyPr>
           <a:lstStyle/>
           <a:p>
-            <a:r>
-              <a:rPr lang="pt-BR" dirty="0"/>
-              <a:t>APRESENTAR FUNCIONALIDADES</a:t>
-            </a:r>
-            <a:br>
-              <a:rPr lang="pt-BR" dirty="0"/>
-            </a:br>
-            <a:endParaRPr lang="pt-BR" dirty="0"/>
+            <a:pPr algn="ctr"/>
+            <a:r>
+              <a:rPr lang="pt-BR" sz="3200" dirty="0">
+                <a:solidFill>
+                  <a:schemeClr val="bg1"/>
+                </a:solidFill>
+                <a:latin typeface="Berlin Sans FB" panose="020E0602020502020306" pitchFamily="34" charset="0"/>
+              </a:rPr>
+              <a:t>Voluntariado</a:t>
+            </a:r>
+            <a:endParaRPr lang="pt-BR" dirty="0">
+              <a:solidFill>
+                <a:schemeClr val="bg1"/>
+              </a:solidFill>
+              <a:latin typeface="Berlin Sans FB" panose="020E0602020502020306" pitchFamily="34" charset="0"/>
+            </a:endParaRPr>
+          </a:p>
+        </p:txBody>
+      </p:sp>
+      <p:sp>
+        <p:nvSpPr>
+          <p:cNvPr id="3" name="CaixaDeTexto 2">
+            <a:extLst>
+              <a:ext uri="{FF2B5EF4-FFF2-40B4-BE49-F238E27FC236}">
+                <a16:creationId xmlns:a16="http://schemas.microsoft.com/office/drawing/2014/main" id="{E93BCB3A-AFD0-4BFE-9247-004292EFEB9E}"/>
+              </a:ext>
+            </a:extLst>
+          </p:cNvPr>
+          <p:cNvSpPr txBox="1"/>
+          <p:nvPr/>
+        </p:nvSpPr>
+        <p:spPr>
+          <a:xfrm>
+            <a:off x="2049688" y="2968175"/>
+            <a:ext cx="2794821" cy="1077218"/>
+          </a:xfrm>
+          <a:prstGeom prst="rect">
+            <a:avLst/>
+          </a:prstGeom>
+          <a:noFill/>
+        </p:spPr>
+        <p:txBody>
+          <a:bodyPr wrap="square" rtlCol="0">
+            <a:spAutoFit/>
+          </a:bodyPr>
+          <a:lstStyle/>
+          <a:p>
+            <a:pPr algn="ctr"/>
+            <a:r>
+              <a:rPr lang="pt-BR" sz="3200" dirty="0">
+                <a:solidFill>
+                  <a:schemeClr val="bg1"/>
+                </a:solidFill>
+                <a:latin typeface="Berlin Sans FB" panose="020E0602020502020306" pitchFamily="34" charset="0"/>
+              </a:rPr>
+              <a:t>Financiamento</a:t>
+            </a:r>
+          </a:p>
+          <a:p>
+            <a:pPr algn="ctr"/>
+            <a:r>
+              <a:rPr lang="pt-BR" sz="3200" b="1" dirty="0">
+                <a:solidFill>
+                  <a:schemeClr val="bg1"/>
+                </a:solidFill>
+              </a:rPr>
+              <a:t> Coletivo</a:t>
+            </a:r>
+          </a:p>
+        </p:txBody>
+      </p:sp>
+      <p:sp>
+        <p:nvSpPr>
+          <p:cNvPr id="12" name="CaixaDeTexto 11">
+            <a:extLst>
+              <a:ext uri="{FF2B5EF4-FFF2-40B4-BE49-F238E27FC236}">
+                <a16:creationId xmlns:a16="http://schemas.microsoft.com/office/drawing/2014/main" id="{752AE8B6-2C52-4BAC-AFC3-22A30F6360E9}"/>
+              </a:ext>
+            </a:extLst>
+          </p:cNvPr>
+          <p:cNvSpPr txBox="1"/>
+          <p:nvPr/>
+        </p:nvSpPr>
+        <p:spPr>
+          <a:xfrm>
+            <a:off x="407963" y="282968"/>
+            <a:ext cx="4135902" cy="1754326"/>
+          </a:xfrm>
+          <a:prstGeom prst="rect">
+            <a:avLst/>
+          </a:prstGeom>
+          <a:noFill/>
+        </p:spPr>
+        <p:txBody>
+          <a:bodyPr wrap="square" rtlCol="0">
+            <a:spAutoFit/>
+          </a:bodyPr>
+          <a:lstStyle/>
+          <a:p>
+            <a:r>
+              <a:rPr lang="pt-BR" sz="5400" dirty="0">
+                <a:solidFill>
+                  <a:schemeClr val="bg1"/>
+                </a:solidFill>
+                <a:latin typeface="Berlin Sans FB" panose="020E0602020502020306" pitchFamily="34" charset="0"/>
+              </a:rPr>
+              <a:t>ATIVIDADES</a:t>
+            </a:r>
+          </a:p>
+          <a:p>
+            <a:r>
+              <a:rPr lang="pt-BR" sz="5400" dirty="0">
+                <a:solidFill>
+                  <a:schemeClr val="bg1"/>
+                </a:solidFill>
+                <a:latin typeface="Berlin Sans FB" panose="020E0602020502020306" pitchFamily="34" charset="0"/>
+              </a:rPr>
+              <a:t>PRINCIPAIS</a:t>
+            </a:r>
           </a:p>
         </p:txBody>
       </p:sp>
@@ -3591,42 +6037,67 @@
       </p:grpSpPr>
       <p:sp>
         <p:nvSpPr>
-          <p:cNvPr id="2" name="Título 1">
-            <a:extLst>
-              <a:ext uri="{FF2B5EF4-FFF2-40B4-BE49-F238E27FC236}">
-                <a16:creationId xmlns:a16="http://schemas.microsoft.com/office/drawing/2014/main" id="{E76AD0B1-3FFC-43A5-B3FF-7757A1F782EE}"/>
-              </a:ext>
-            </a:extLst>
-          </p:cNvPr>
-          <p:cNvSpPr>
-            <a:spLocks noGrp="1"/>
-          </p:cNvSpPr>
-          <p:nvPr>
-            <p:ph type="ctrTitle"/>
-          </p:nvPr>
-        </p:nvSpPr>
-        <p:spPr/>
-        <p:txBody>
-          <a:bodyPr>
-            <a:normAutofit fontScale="90000"/>
+          <p:cNvPr id="4" name="CaixaDeTexto 3">
+            <a:extLst>
+              <a:ext uri="{FF2B5EF4-FFF2-40B4-BE49-F238E27FC236}">
+                <a16:creationId xmlns:a16="http://schemas.microsoft.com/office/drawing/2014/main" id="{9F7D7BF5-10D3-4762-AF69-987511BD3DFE}"/>
+              </a:ext>
+            </a:extLst>
+          </p:cNvPr>
+          <p:cNvSpPr txBox="1"/>
+          <p:nvPr/>
+        </p:nvSpPr>
+        <p:spPr>
+          <a:xfrm>
+            <a:off x="534862" y="294968"/>
+            <a:ext cx="6750566" cy="769441"/>
+          </a:xfrm>
+          <a:prstGeom prst="rect">
+            <a:avLst/>
+          </a:prstGeom>
+          <a:noFill/>
+        </p:spPr>
+        <p:txBody>
+          <a:bodyPr wrap="none" rtlCol="0">
+            <a:spAutoFit/>
           </a:bodyPr>
           <a:lstStyle/>
           <a:p>
             <a:r>
-              <a:rPr lang="pt-BR" dirty="0"/>
-              <a:t>SEPARAR POR CASO DE USO E DESCREVER COMO FOI FEITO</a:t>
-            </a:r>
-            <a:br>
-              <a:rPr lang="pt-BR" dirty="0"/>
-            </a:br>
-            <a:endParaRPr lang="pt-BR" dirty="0"/>
+              <a:rPr lang="pt-BR" sz="4400" dirty="0">
+                <a:solidFill>
+                  <a:schemeClr val="bg1">
+                    <a:lumMod val="95000"/>
+                  </a:schemeClr>
+                </a:solidFill>
+                <a:latin typeface="Berlin Sans FB" panose="020E0602020502020306" pitchFamily="34" charset="0"/>
+              </a:rPr>
+              <a:t>FINACIAMENTO</a:t>
+            </a:r>
+            <a:r>
+              <a:rPr lang="pt-BR" sz="4400" dirty="0">
+                <a:latin typeface="Berlin Sans FB" panose="020E0602020502020306" pitchFamily="34" charset="0"/>
+              </a:rPr>
+              <a:t> </a:t>
+            </a:r>
+            <a:r>
+              <a:rPr lang="pt-BR" sz="4400" dirty="0">
+                <a:solidFill>
+                  <a:schemeClr val="bg1">
+                    <a:lumMod val="95000"/>
+                  </a:schemeClr>
+                </a:solidFill>
+                <a:latin typeface="Berlin Sans FB" panose="020E0602020502020306" pitchFamily="34" charset="0"/>
+              </a:rPr>
+              <a:t>COLETIVO</a:t>
+            </a:r>
           </a:p>
         </p:txBody>
       </p:sp>
     </p:spTree>
     <p:extLst>
       <p:ext uri="{BB962C8B-B14F-4D97-AF65-F5344CB8AC3E}">
-        <p14:creationId xmlns:p14="http://schemas.microsoft.com/office/powerpoint/2010/main" val="1267017431"/>
+        <p14:creationId xmlns:p14="http://schemas.microsoft.com/office/powerpoint/2010/main" val="2849443787"/>
       </p:ext>
     </p:extLst>
   </p:cSld>
@@ -3655,42 +6126,75 @@
       </p:grpSpPr>
       <p:sp>
         <p:nvSpPr>
-          <p:cNvPr id="2" name="Título 1">
-            <a:extLst>
-              <a:ext uri="{FF2B5EF4-FFF2-40B4-BE49-F238E27FC236}">
-                <a16:creationId xmlns:a16="http://schemas.microsoft.com/office/drawing/2014/main" id="{E76AD0B1-3FFC-43A5-B3FF-7757A1F782EE}"/>
-              </a:ext>
-            </a:extLst>
-          </p:cNvPr>
-          <p:cNvSpPr>
-            <a:spLocks noGrp="1"/>
-          </p:cNvSpPr>
-          <p:nvPr>
-            <p:ph type="ctrTitle"/>
-          </p:nvPr>
-        </p:nvSpPr>
-        <p:spPr/>
-        <p:txBody>
-          <a:bodyPr>
-            <a:normAutofit/>
+          <p:cNvPr id="4" name="CaixaDeTexto 3">
+            <a:extLst>
+              <a:ext uri="{FF2B5EF4-FFF2-40B4-BE49-F238E27FC236}">
+                <a16:creationId xmlns:a16="http://schemas.microsoft.com/office/drawing/2014/main" id="{9F7D7BF5-10D3-4762-AF69-987511BD3DFE}"/>
+              </a:ext>
+            </a:extLst>
+          </p:cNvPr>
+          <p:cNvSpPr txBox="1"/>
+          <p:nvPr/>
+        </p:nvSpPr>
+        <p:spPr>
+          <a:xfrm>
+            <a:off x="3925" y="294968"/>
+            <a:ext cx="12188075" cy="769441"/>
+          </a:xfrm>
+          <a:prstGeom prst="rect">
+            <a:avLst/>
+          </a:prstGeom>
+          <a:noFill/>
+        </p:spPr>
+        <p:txBody>
+          <a:bodyPr wrap="square" rtlCol="0">
+            <a:spAutoFit/>
           </a:bodyPr>
           <a:lstStyle/>
           <a:p>
             <a:r>
-              <a:rPr lang="pt-BR" dirty="0"/>
-              <a:t>PERGUNTAS</a:t>
-            </a:r>
-            <a:br>
-              <a:rPr lang="pt-BR" dirty="0"/>
-            </a:br>
-            <a:endParaRPr lang="pt-BR" dirty="0"/>
+              <a:rPr lang="pt-BR" sz="4000" dirty="0">
+                <a:solidFill>
+                  <a:schemeClr val="bg1">
+                    <a:lumMod val="95000"/>
+                  </a:schemeClr>
+                </a:solidFill>
+                <a:latin typeface="Berlin Sans FB" panose="020E0602020502020306" pitchFamily="34" charset="0"/>
+              </a:rPr>
+              <a:t>FINACIAMENTO</a:t>
+            </a:r>
+            <a:r>
+              <a:rPr lang="pt-BR" sz="3600" dirty="0">
+                <a:latin typeface="Berlin Sans FB" panose="020E0602020502020306" pitchFamily="34" charset="0"/>
+              </a:rPr>
+              <a:t> </a:t>
+            </a:r>
+            <a:r>
+              <a:rPr lang="pt-BR" sz="4400" dirty="0">
+                <a:solidFill>
+                  <a:schemeClr val="bg1">
+                    <a:lumMod val="95000"/>
+                  </a:schemeClr>
+                </a:solidFill>
+                <a:latin typeface="Berlin Sans FB" panose="020E0602020502020306" pitchFamily="34" charset="0"/>
+              </a:rPr>
+              <a:t>COLETIVO REGRAS DE NEGOCIO</a:t>
+            </a:r>
+            <a:endParaRPr lang="pt-BR" sz="3600" dirty="0">
+              <a:solidFill>
+                <a:schemeClr val="bg1">
+                  <a:lumMod val="95000"/>
+                </a:schemeClr>
+              </a:solidFill>
+              <a:latin typeface="Berlin Sans FB" panose="020E0602020502020306" pitchFamily="34" charset="0"/>
+            </a:endParaRPr>
           </a:p>
         </p:txBody>
       </p:sp>
     </p:spTree>
     <p:extLst>
       <p:ext uri="{BB962C8B-B14F-4D97-AF65-F5344CB8AC3E}">
-        <p14:creationId xmlns:p14="http://schemas.microsoft.com/office/powerpoint/2010/main" val="2010022053"/>
+        <p14:creationId xmlns:p14="http://schemas.microsoft.com/office/powerpoint/2010/main" val="3049723313"/>
       </p:ext>
     </p:extLst>
   </p:cSld>
@@ -3719,42 +6223,58 @@
       </p:grpSpPr>
       <p:sp>
         <p:nvSpPr>
-          <p:cNvPr id="2" name="Título 1">
-            <a:extLst>
-              <a:ext uri="{FF2B5EF4-FFF2-40B4-BE49-F238E27FC236}">
-                <a16:creationId xmlns:a16="http://schemas.microsoft.com/office/drawing/2014/main" id="{E76AD0B1-3FFC-43A5-B3FF-7757A1F782EE}"/>
-              </a:ext>
-            </a:extLst>
-          </p:cNvPr>
-          <p:cNvSpPr>
-            <a:spLocks noGrp="1"/>
-          </p:cNvSpPr>
-          <p:nvPr>
-            <p:ph type="ctrTitle"/>
-          </p:nvPr>
-        </p:nvSpPr>
-        <p:spPr/>
-        <p:txBody>
-          <a:bodyPr>
-            <a:normAutofit/>
+          <p:cNvPr id="4" name="CaixaDeTexto 3">
+            <a:extLst>
+              <a:ext uri="{FF2B5EF4-FFF2-40B4-BE49-F238E27FC236}">
+                <a16:creationId xmlns:a16="http://schemas.microsoft.com/office/drawing/2014/main" id="{CE6E8D8C-11C9-4931-A942-8F29F6898DC0}"/>
+              </a:ext>
+            </a:extLst>
+          </p:cNvPr>
+          <p:cNvSpPr txBox="1"/>
+          <p:nvPr/>
+        </p:nvSpPr>
+        <p:spPr>
+          <a:xfrm>
+            <a:off x="988142" y="516194"/>
+            <a:ext cx="4305987" cy="769441"/>
+          </a:xfrm>
+          <a:prstGeom prst="rect">
+            <a:avLst/>
+          </a:prstGeom>
+          <a:noFill/>
+        </p:spPr>
+        <p:txBody>
+          <a:bodyPr wrap="none" rtlCol="0">
+            <a:spAutoFit/>
           </a:bodyPr>
           <a:lstStyle/>
           <a:p>
             <a:r>
-              <a:rPr lang="pt-BR" dirty="0"/>
-              <a:t>AGRADECIMENTOS</a:t>
-            </a:r>
-            <a:br>
-              <a:rPr lang="pt-BR" dirty="0"/>
-            </a:br>
-            <a:endParaRPr lang="pt-BR" dirty="0"/>
+              <a:rPr lang="pt-BR" sz="4400" dirty="0">
+                <a:solidFill>
+                  <a:schemeClr val="bg1">
+                    <a:lumMod val="95000"/>
+                  </a:schemeClr>
+                </a:solidFill>
+                <a:latin typeface="Berlin Sans FB" panose="020E0602020502020306" pitchFamily="34" charset="0"/>
+              </a:rPr>
+              <a:t>VOLUNTARIADO</a:t>
+            </a:r>
+            <a:endParaRPr lang="pt-BR" dirty="0">
+              <a:solidFill>
+                <a:schemeClr val="bg1">
+                  <a:lumMod val="95000"/>
+                </a:schemeClr>
+              </a:solidFill>
+              <a:latin typeface="Berlin Sans FB" panose="020E0602020502020306" pitchFamily="34" charset="0"/>
+            </a:endParaRPr>
           </a:p>
         </p:txBody>
       </p:sp>
     </p:spTree>
     <p:extLst>
       <p:ext uri="{BB962C8B-B14F-4D97-AF65-F5344CB8AC3E}">
-        <p14:creationId xmlns:p14="http://schemas.microsoft.com/office/powerpoint/2010/main" val="1517257733"/>
+        <p14:creationId xmlns:p14="http://schemas.microsoft.com/office/powerpoint/2010/main" val="3193382686"/>
       </p:ext>
     </p:extLst>
   </p:cSld>
@@ -3783,42 +6303,137 @@
       </p:grpSpPr>
       <p:sp>
         <p:nvSpPr>
-          <p:cNvPr id="2" name="Título 1">
-            <a:extLst>
-              <a:ext uri="{FF2B5EF4-FFF2-40B4-BE49-F238E27FC236}">
-                <a16:creationId xmlns:a16="http://schemas.microsoft.com/office/drawing/2014/main" id="{E76AD0B1-3FFC-43A5-B3FF-7757A1F782EE}"/>
-              </a:ext>
-            </a:extLst>
-          </p:cNvPr>
-          <p:cNvSpPr>
-            <a:spLocks noGrp="1"/>
-          </p:cNvSpPr>
-          <p:nvPr>
-            <p:ph type="ctrTitle"/>
-          </p:nvPr>
-        </p:nvSpPr>
-        <p:spPr/>
-        <p:txBody>
-          <a:bodyPr>
-            <a:normAutofit/>
+          <p:cNvPr id="4" name="CaixaDeTexto 3">
+            <a:extLst>
+              <a:ext uri="{FF2B5EF4-FFF2-40B4-BE49-F238E27FC236}">
+                <a16:creationId xmlns:a16="http://schemas.microsoft.com/office/drawing/2014/main" id="{CE6E8D8C-11C9-4931-A942-8F29F6898DC0}"/>
+              </a:ext>
+            </a:extLst>
+          </p:cNvPr>
+          <p:cNvSpPr txBox="1"/>
+          <p:nvPr/>
+        </p:nvSpPr>
+        <p:spPr>
+          <a:xfrm>
+            <a:off x="988142" y="516194"/>
+            <a:ext cx="9780241" cy="769441"/>
+          </a:xfrm>
+          <a:prstGeom prst="rect">
+            <a:avLst/>
+          </a:prstGeom>
+          <a:noFill/>
+        </p:spPr>
+        <p:txBody>
+          <a:bodyPr wrap="none" rtlCol="0">
+            <a:spAutoFit/>
           </a:bodyPr>
           <a:lstStyle/>
           <a:p>
             <a:r>
-              <a:rPr lang="pt-BR" dirty="0"/>
-              <a:t>FIM</a:t>
-            </a:r>
-            <a:br>
-              <a:rPr lang="pt-BR" dirty="0"/>
-            </a:br>
-            <a:endParaRPr lang="pt-BR" dirty="0"/>
+              <a:rPr lang="pt-BR" sz="4400" dirty="0">
+                <a:solidFill>
+                  <a:schemeClr val="bg1">
+                    <a:lumMod val="95000"/>
+                  </a:schemeClr>
+                </a:solidFill>
+                <a:latin typeface="Berlin Sans FB" panose="020E0602020502020306" pitchFamily="34" charset="0"/>
+              </a:rPr>
+              <a:t>VOLUNTARIADO REGRAS DE NEGÓCIO</a:t>
+            </a:r>
+            <a:endParaRPr lang="pt-BR" dirty="0">
+              <a:solidFill>
+                <a:schemeClr val="bg1">
+                  <a:lumMod val="95000"/>
+                </a:schemeClr>
+              </a:solidFill>
+              <a:latin typeface="Berlin Sans FB" panose="020E0602020502020306" pitchFamily="34" charset="0"/>
+            </a:endParaRPr>
           </a:p>
         </p:txBody>
       </p:sp>
     </p:spTree>
     <p:extLst>
       <p:ext uri="{BB962C8B-B14F-4D97-AF65-F5344CB8AC3E}">
-        <p14:creationId xmlns:p14="http://schemas.microsoft.com/office/powerpoint/2010/main" val="1792067182"/>
+        <p14:creationId xmlns:p14="http://schemas.microsoft.com/office/powerpoint/2010/main" val="1430984417"/>
+      </p:ext>
+    </p:extLst>
+  </p:cSld>
+  <p:clrMapOvr>
+    <a:masterClrMapping/>
+  </p:clrMapOvr>
+</p:sld>
+</file>
+
+<file path=ppt/slides/slide9.xml><?xml version="1.0" encoding="utf-8"?>
+<p:sld xmlns:a="http://schemas.openxmlformats.org/drawingml/2006/main" xmlns:r="http://schemas.openxmlformats.org/officeDocument/2006/relationships" xmlns:p="http://schemas.openxmlformats.org/presentationml/2006/main">
+  <p:cSld>
+    <p:spTree>
+      <p:nvGrpSpPr>
+        <p:cNvPr id="1" name=""/>
+        <p:cNvGrpSpPr/>
+        <p:nvPr/>
+      </p:nvGrpSpPr>
+      <p:grpSpPr>
+        <a:xfrm>
+          <a:off x="0" y="0"/>
+          <a:ext cx="0" cy="0"/>
+          <a:chOff x="0" y="0"/>
+          <a:chExt cx="0" cy="0"/>
+        </a:xfrm>
+      </p:grpSpPr>
+      <p:sp>
+        <p:nvSpPr>
+          <p:cNvPr id="5" name="CaixaDeTexto 4">
+            <a:extLst>
+              <a:ext uri="{FF2B5EF4-FFF2-40B4-BE49-F238E27FC236}">
+                <a16:creationId xmlns:a16="http://schemas.microsoft.com/office/drawing/2014/main" id="{AB40D209-D01D-4F7A-92FA-6B86D4098727}"/>
+              </a:ext>
+            </a:extLst>
+          </p:cNvPr>
+          <p:cNvSpPr txBox="1"/>
+          <p:nvPr/>
+        </p:nvSpPr>
+        <p:spPr>
+          <a:xfrm>
+            <a:off x="1415845" y="708830"/>
+            <a:ext cx="12457587" cy="1754326"/>
+          </a:xfrm>
+          <a:prstGeom prst="rect">
+            <a:avLst/>
+          </a:prstGeom>
+          <a:noFill/>
+        </p:spPr>
+        <p:txBody>
+          <a:bodyPr wrap="square" rtlCol="0">
+            <a:spAutoFit/>
+          </a:bodyPr>
+          <a:lstStyle/>
+          <a:p>
+            <a:r>
+              <a:rPr lang="pt-BR" sz="5400" dirty="0">
+                <a:solidFill>
+                  <a:schemeClr val="bg1">
+                    <a:lumMod val="95000"/>
+                  </a:schemeClr>
+                </a:solidFill>
+                <a:latin typeface="Berlin Sans FB" panose="020E0602020502020306" pitchFamily="34" charset="0"/>
+              </a:rPr>
+              <a:t>SEPARAR POR CASO DE USO E DESCREVER COMO FOI FEITO</a:t>
+            </a:r>
+            <a:endParaRPr lang="pt-BR" sz="5400" dirty="0">
+              <a:solidFill>
+                <a:schemeClr val="bg1">
+                  <a:lumMod val="95000"/>
+                </a:schemeClr>
+              </a:solidFill>
+            </a:endParaRPr>
+          </a:p>
+        </p:txBody>
+      </p:sp>
+    </p:spTree>
+    <p:extLst>
+      <p:ext uri="{BB962C8B-B14F-4D97-AF65-F5344CB8AC3E}">
+        <p14:creationId xmlns:p14="http://schemas.microsoft.com/office/powerpoint/2010/main" val="1267017431"/>
       </p:ext>
     </p:extLst>
   </p:cSld>
